--- a/projectzomato (3).pptx
+++ b/projectzomato (3).pptx
@@ -6,7 +6,7 @@
     <p:sldMasterId id="2147483671" r:id="rId2"/>
   </p:sldMasterIdLst>
   <p:notesMasterIdLst>
-    <p:notesMasterId r:id="rId19"/>
+    <p:notesMasterId r:id="rId21"/>
   </p:notesMasterIdLst>
   <p:sldIdLst>
     <p:sldId id="270" r:id="rId3"/>
@@ -15,16 +15,18 @@
     <p:sldId id="259" r:id="rId6"/>
     <p:sldId id="261" r:id="rId7"/>
     <p:sldId id="258" r:id="rId8"/>
-    <p:sldId id="264" r:id="rId9"/>
-    <p:sldId id="265" r:id="rId10"/>
-    <p:sldId id="268" r:id="rId11"/>
-    <p:sldId id="262" r:id="rId12"/>
-    <p:sldId id="269" r:id="rId13"/>
-    <p:sldId id="272" r:id="rId14"/>
-    <p:sldId id="273" r:id="rId15"/>
+    <p:sldId id="265" r:id="rId9"/>
+    <p:sldId id="268" r:id="rId10"/>
+    <p:sldId id="262" r:id="rId11"/>
+    <p:sldId id="269" r:id="rId12"/>
+    <p:sldId id="272" r:id="rId13"/>
+    <p:sldId id="273" r:id="rId14"/>
+    <p:sldId id="277" r:id="rId15"/>
     <p:sldId id="274" r:id="rId16"/>
-    <p:sldId id="266" r:id="rId17"/>
-    <p:sldId id="260" r:id="rId18"/>
+    <p:sldId id="275" r:id="rId17"/>
+    <p:sldId id="276" r:id="rId18"/>
+    <p:sldId id="266" r:id="rId19"/>
+    <p:sldId id="260" r:id="rId20"/>
   </p:sldIdLst>
   <p:sldSz cx="9144000" cy="5143500" type="screen16x9"/>
   <p:notesSz cx="6858000" cy="9144000"/>
@@ -140,10 +142,6 @@
     </p:ext>
   </p:extLst>
 </p:presentation>
-</file>
-
-<file path=ppt/revisionInfo.xml><?xml version="1.0" encoding="utf-8"?>
-<p1510:revInfo xmlns:a="http://schemas.openxmlformats.org/drawingml/2006/main" xmlns:r="http://schemas.openxmlformats.org/officeDocument/2006/relationships" xmlns:p1510="http://schemas.microsoft.com/office/powerpoint/2015/10/main"/>
 </file>
 
 <file path=ppt/notesMasters/notesMaster1.xml><?xml version="1.0" encoding="utf-8"?>
@@ -644,7 +642,7 @@
           <a:p>
             <a:fld id="{87350B06-B074-48FC-8CFD-53D2CD8FB95F}" type="slidenum">
               <a:rPr lang="en-US" smtClean="0"/>
-              <a:t>16</a:t>
+              <a:t>18</a:t>
             </a:fld>
             <a:endParaRPr lang="en-US" dirty="0"/>
           </a:p>
@@ -739,7 +737,7 @@
           <p:cNvPr id="5" name="Graphic 97">
             <a:extLst>
               <a:ext uri="{FF2B5EF4-FFF2-40B4-BE49-F238E27FC236}">
-                <a16:creationId xmlns:a16="http://schemas.microsoft.com/office/drawing/2014/main" xmlns="" id="{46279687-00F0-4823-8159-585447C125F0}"/>
+                <a16:creationId xmlns:a16="http://schemas.microsoft.com/office/drawing/2014/main" id="{46279687-00F0-4823-8159-585447C125F0}"/>
               </a:ext>
             </a:extLst>
           </p:cNvPr>
@@ -752,7 +750,7 @@
           <a:blip r:embed="rId2">
             <a:extLst>
               <a:ext uri="{96DAC541-7B7A-43D3-8B79-37D633B846F1}">
-                <asvg:svgBlip xmlns:asvg="http://schemas.microsoft.com/office/drawing/2016/SVG/main" xmlns="" r:embed="rId3"/>
+                <asvg:svgBlip xmlns:asvg="http://schemas.microsoft.com/office/drawing/2016/SVG/main" r:embed="rId3"/>
               </a:ext>
             </a:extLst>
           </a:blip>
@@ -914,7 +912,7 @@
           <p:cNvPr id="7" name="Graphic 9">
             <a:extLst>
               <a:ext uri="{FF2B5EF4-FFF2-40B4-BE49-F238E27FC236}">
-                <a16:creationId xmlns:a16="http://schemas.microsoft.com/office/drawing/2014/main" xmlns="" id="{C3D2EC56-D17C-4A75-8178-C69397BC7353}"/>
+                <a16:creationId xmlns:a16="http://schemas.microsoft.com/office/drawing/2014/main" id="{C3D2EC56-D17C-4A75-8178-C69397BC7353}"/>
               </a:ext>
             </a:extLst>
           </p:cNvPr>
@@ -927,7 +925,7 @@
           <a:blip r:embed="rId4">
             <a:extLst>
               <a:ext uri="{96DAC541-7B7A-43D3-8B79-37D633B846F1}">
-                <asvg:svgBlip xmlns:asvg="http://schemas.microsoft.com/office/drawing/2016/SVG/main" xmlns="" r:embed="rId5"/>
+                <asvg:svgBlip xmlns:asvg="http://schemas.microsoft.com/office/drawing/2016/SVG/main" r:embed="rId5"/>
               </a:ext>
             </a:extLst>
           </a:blip>
@@ -955,10 +953,10 @@
   <p:clrMapOvr>
     <a:masterClrMapping/>
   </p:clrMapOvr>
-  <p:extLst mod="1">
+  <p:extLst>
     <p:ext uri="{DCECCB84-F9BA-43D5-87BE-67443E8EF086}">
       <p15:sldGuideLst xmlns:p15="http://schemas.microsoft.com/office/powerpoint/2012/main">
-        <p15:guide id="4294967295" pos="5414">
+        <p15:guide id="1" pos="5414">
           <p15:clr>
             <a:srgbClr val="FBAE40"/>
           </p15:clr>
@@ -1045,7 +1043,7 @@
           <p:cNvPr id="5" name="Graphic 97">
             <a:extLst>
               <a:ext uri="{FF2B5EF4-FFF2-40B4-BE49-F238E27FC236}">
-                <a16:creationId xmlns:a16="http://schemas.microsoft.com/office/drawing/2014/main" xmlns="" id="{46279687-00F0-4823-8159-585447C125F0}"/>
+                <a16:creationId xmlns:a16="http://schemas.microsoft.com/office/drawing/2014/main" id="{46279687-00F0-4823-8159-585447C125F0}"/>
               </a:ext>
             </a:extLst>
           </p:cNvPr>
@@ -1058,7 +1056,7 @@
           <a:blip r:embed="rId2">
             <a:extLst>
               <a:ext uri="{96DAC541-7B7A-43D3-8B79-37D633B846F1}">
-                <asvg:svgBlip xmlns:asvg="http://schemas.microsoft.com/office/drawing/2016/SVG/main" xmlns="" r:embed="rId3"/>
+                <asvg:svgBlip xmlns:asvg="http://schemas.microsoft.com/office/drawing/2016/SVG/main" r:embed="rId3"/>
               </a:ext>
             </a:extLst>
           </a:blip>
@@ -1220,7 +1218,7 @@
           <p:cNvPr id="7" name="Graphic 9">
             <a:extLst>
               <a:ext uri="{FF2B5EF4-FFF2-40B4-BE49-F238E27FC236}">
-                <a16:creationId xmlns:a16="http://schemas.microsoft.com/office/drawing/2014/main" xmlns="" id="{C3D2EC56-D17C-4A75-8178-C69397BC7353}"/>
+                <a16:creationId xmlns:a16="http://schemas.microsoft.com/office/drawing/2014/main" id="{C3D2EC56-D17C-4A75-8178-C69397BC7353}"/>
               </a:ext>
             </a:extLst>
           </p:cNvPr>
@@ -1233,7 +1231,7 @@
           <a:blip r:embed="rId4">
             <a:extLst>
               <a:ext uri="{96DAC541-7B7A-43D3-8B79-37D633B846F1}">
-                <asvg:svgBlip xmlns:asvg="http://schemas.microsoft.com/office/drawing/2016/SVG/main" xmlns="" r:embed="rId5"/>
+                <asvg:svgBlip xmlns:asvg="http://schemas.microsoft.com/office/drawing/2016/SVG/main" r:embed="rId5"/>
               </a:ext>
             </a:extLst>
           </a:blip>
@@ -1261,10 +1259,10 @@
   <p:clrMapOvr>
     <a:masterClrMapping/>
   </p:clrMapOvr>
-  <p:extLst mod="1">
+  <p:extLst>
     <p:ext uri="{DCECCB84-F9BA-43D5-87BE-67443E8EF086}">
       <p15:sldGuideLst xmlns:p15="http://schemas.microsoft.com/office/powerpoint/2012/main">
-        <p15:guide id="4294967295" pos="5414">
+        <p15:guide id="1" pos="5414">
           <p15:clr>
             <a:srgbClr val="FBAE40"/>
           </p15:clr>
@@ -1308,10 +1306,9 @@
           <a:lstStyle/>
           <a:p>
             <a:r>
-              <a:rPr lang="en-US" smtClean="0"/>
+              <a:rPr lang="en-US"/>
               <a:t>Click to edit Master title style</a:t>
             </a:r>
-            <a:endParaRPr lang="en-US"/>
           </a:p>
         </p:txBody>
       </p:sp>
@@ -1451,10 +1448,9 @@
           <a:lstStyle/>
           <a:p>
             <a:r>
-              <a:rPr lang="en-US" smtClean="0"/>
+              <a:rPr lang="en-US"/>
               <a:t>Click to edit Master title style</a:t>
             </a:r>
-            <a:endParaRPr lang="en-US"/>
           </a:p>
         </p:txBody>
       </p:sp>
@@ -1598,7 +1594,7 @@
           <a:graphicData uri="http://schemas.openxmlformats.org/presentationml/2006/ole">
             <mc:AlternateContent xmlns:mc="http://schemas.openxmlformats.org/markup-compatibility/2006">
               <mc:Choice xmlns:v="urn:schemas-microsoft-com:vml" Requires="v">
-                <p:oleObj spid="_x0000_s2061" name="think-cell Slide" r:id="rId6" imgW="360" imgH="360" progId="">
+                <p:oleObj spid="_x0000_s2087" name="think-cell Slide" r:id="rId6" imgW="360" imgH="360" progId="">
                   <p:embed/>
                 </p:oleObj>
               </mc:Choice>
@@ -1788,10 +1784,9 @@
           <a:lstStyle/>
           <a:p>
             <a:r>
-              <a:rPr lang="en-US" smtClean="0"/>
+              <a:rPr lang="en-US"/>
               <a:t>Click to edit Master title style</a:t>
             </a:r>
-            <a:endParaRPr lang="en-US"/>
           </a:p>
         </p:txBody>
       </p:sp>
@@ -2820,10 +2815,9 @@
           <a:lstStyle/>
           <a:p>
             <a:r>
-              <a:rPr lang="en-US" smtClean="0"/>
+              <a:rPr lang="en-US"/>
               <a:t>Click to edit Master title style</a:t>
             </a:r>
-            <a:endParaRPr lang="en-US"/>
           </a:p>
         </p:txBody>
       </p:sp>
@@ -2963,10 +2957,9 @@
           <a:lstStyle/>
           <a:p>
             <a:r>
-              <a:rPr lang="en-US" smtClean="0"/>
+              <a:rPr lang="en-US"/>
               <a:t>Click to edit Master title style</a:t>
             </a:r>
-            <a:endParaRPr lang="en-US"/>
           </a:p>
         </p:txBody>
       </p:sp>
@@ -3110,7 +3103,7 @@
           <a:graphicData uri="http://schemas.openxmlformats.org/presentationml/2006/ole">
             <mc:AlternateContent xmlns:mc="http://schemas.openxmlformats.org/markup-compatibility/2006">
               <mc:Choice xmlns:v="urn:schemas-microsoft-com:vml" Requires="v">
-                <p:oleObj spid="_x0000_s1037" name="think-cell Slide" r:id="rId6" imgW="360" imgH="360" progId="">
+                <p:oleObj spid="_x0000_s1063" name="think-cell Slide" r:id="rId6" imgW="360" imgH="360" progId="">
                   <p:embed/>
                 </p:oleObj>
               </mc:Choice>
@@ -3300,10 +3293,9 @@
           <a:lstStyle/>
           <a:p>
             <a:r>
-              <a:rPr lang="en-US" smtClean="0"/>
+              <a:rPr lang="en-US"/>
               <a:t>Click to edit Master title style</a:t>
             </a:r>
-            <a:endParaRPr lang="en-US"/>
           </a:p>
         </p:txBody>
       </p:sp>
@@ -4637,7 +4629,7 @@
           <p:cNvPr id="4" name="Title Placeholder 3">
             <a:extLst>
               <a:ext uri="{FF2B5EF4-FFF2-40B4-BE49-F238E27FC236}">
-                <a16:creationId xmlns:a16="http://schemas.microsoft.com/office/drawing/2014/main" xmlns="" id="{509B218C-0963-489A-AA77-3748FFA421C5}"/>
+                <a16:creationId xmlns:a16="http://schemas.microsoft.com/office/drawing/2014/main" id="{509B218C-0963-489A-AA77-3748FFA421C5}"/>
               </a:ext>
             </a:extLst>
           </p:cNvPr>
@@ -4676,7 +4668,7 @@
           <p:cNvPr id="5" name="Text Placeholder 4">
             <a:extLst>
               <a:ext uri="{FF2B5EF4-FFF2-40B4-BE49-F238E27FC236}">
-                <a16:creationId xmlns:a16="http://schemas.microsoft.com/office/drawing/2014/main" xmlns="" id="{A4D17236-A440-4453-A69C-BE3728C11608}"/>
+                <a16:creationId xmlns:a16="http://schemas.microsoft.com/office/drawing/2014/main" id="{A4D17236-A440-4453-A69C-BE3728C11608}"/>
               </a:ext>
             </a:extLst>
           </p:cNvPr>
@@ -4744,7 +4736,7 @@
           <p:cNvPr id="6" name="Graphic 5">
             <a:extLst>
               <a:ext uri="{FF2B5EF4-FFF2-40B4-BE49-F238E27FC236}">
-                <a16:creationId xmlns:a16="http://schemas.microsoft.com/office/drawing/2014/main" xmlns="" id="{91AA2D51-D0D7-4EEF-90B9-C82A02C6409C}"/>
+                <a16:creationId xmlns:a16="http://schemas.microsoft.com/office/drawing/2014/main" id="{91AA2D51-D0D7-4EEF-90B9-C82A02C6409C}"/>
               </a:ext>
             </a:extLst>
           </p:cNvPr>
@@ -4757,7 +4749,7 @@
           <a:blip r:embed="rId11">
             <a:extLst>
               <a:ext uri="{96DAC541-7B7A-43D3-8B79-37D633B846F1}">
-                <asvg:svgBlip xmlns:asvg="http://schemas.microsoft.com/office/drawing/2016/SVG/main" xmlns="" r:embed="rId12"/>
+                <asvg:svgBlip xmlns:asvg="http://schemas.microsoft.com/office/drawing/2016/SVG/main" r:embed="rId12"/>
               </a:ext>
             </a:extLst>
           </a:blip>
@@ -5088,50 +5080,50 @@
       </a:lvl9pPr>
     </p:otherStyle>
   </p:txStyles>
-  <p:extLst mod="1">
+  <p:extLst>
     <p:ext uri="{27BBF7A9-308A-43DC-89C8-2F10F3537804}">
       <p15:sldGuideLst xmlns:p15="http://schemas.microsoft.com/office/powerpoint/2012/main">
-        <p15:guide id="4294967295" orient="horz" pos="4065">
+        <p15:guide id="1" orient="horz" pos="4065">
           <p15:clr>
             <a:srgbClr val="F26B43"/>
           </p15:clr>
         </p15:guide>
-        <p15:guide id="4294967295" pos="193">
+        <p15:guide id="2" pos="193">
           <p15:clr>
             <a:srgbClr val="F26B43"/>
           </p15:clr>
         </p15:guide>
-        <p15:guide id="4294967295" pos="5567">
+        <p15:guide id="3" pos="5567">
           <p15:clr>
             <a:srgbClr val="F26B43"/>
           </p15:clr>
         </p15:guide>
-        <p15:guide id="4294967295" orient="horz" pos="255">
+        <p15:guide id="4" orient="horz" pos="255">
           <p15:clr>
             <a:srgbClr val="F26B43"/>
           </p15:clr>
         </p15:guide>
-        <p15:guide id="4294967295" orient="horz" pos="799">
+        <p15:guide id="5" orient="horz" pos="799">
           <p15:clr>
             <a:srgbClr val="F26B43"/>
           </p15:clr>
         </p15:guide>
-        <p15:guide id="4294967295" orient="horz" pos="890">
+        <p15:guide id="6" orient="horz" pos="890">
           <p15:clr>
             <a:srgbClr val="F26B43"/>
           </p15:clr>
         </p15:guide>
-        <p15:guide id="4294967295" pos="2880">
+        <p15:guide id="7" pos="2880">
           <p15:clr>
             <a:srgbClr val="F26B43"/>
           </p15:clr>
         </p15:guide>
-        <p15:guide id="4294967295" pos="2812">
+        <p15:guide id="8" pos="2812">
           <p15:clr>
             <a:srgbClr val="F26B43"/>
           </p15:clr>
         </p15:guide>
-        <p15:guide id="4294967295" pos="2948">
+        <p15:guide id="9" pos="2948">
           <p15:clr>
             <a:srgbClr val="F26B43"/>
           </p15:clr>
@@ -5169,7 +5161,7 @@
           <p:cNvPr id="4" name="Title Placeholder 3">
             <a:extLst>
               <a:ext uri="{FF2B5EF4-FFF2-40B4-BE49-F238E27FC236}">
-                <a16:creationId xmlns:a16="http://schemas.microsoft.com/office/drawing/2014/main" xmlns="" id="{509B218C-0963-489A-AA77-3748FFA421C5}"/>
+                <a16:creationId xmlns:a16="http://schemas.microsoft.com/office/drawing/2014/main" id="{509B218C-0963-489A-AA77-3748FFA421C5}"/>
               </a:ext>
             </a:extLst>
           </p:cNvPr>
@@ -5208,7 +5200,7 @@
           <p:cNvPr id="5" name="Text Placeholder 4">
             <a:extLst>
               <a:ext uri="{FF2B5EF4-FFF2-40B4-BE49-F238E27FC236}">
-                <a16:creationId xmlns:a16="http://schemas.microsoft.com/office/drawing/2014/main" xmlns="" id="{A4D17236-A440-4453-A69C-BE3728C11608}"/>
+                <a16:creationId xmlns:a16="http://schemas.microsoft.com/office/drawing/2014/main" id="{A4D17236-A440-4453-A69C-BE3728C11608}"/>
               </a:ext>
             </a:extLst>
           </p:cNvPr>
@@ -5276,7 +5268,7 @@
           <p:cNvPr id="6" name="Graphic 5">
             <a:extLst>
               <a:ext uri="{FF2B5EF4-FFF2-40B4-BE49-F238E27FC236}">
-                <a16:creationId xmlns:a16="http://schemas.microsoft.com/office/drawing/2014/main" xmlns="" id="{91AA2D51-D0D7-4EEF-90B9-C82A02C6409C}"/>
+                <a16:creationId xmlns:a16="http://schemas.microsoft.com/office/drawing/2014/main" id="{91AA2D51-D0D7-4EEF-90B9-C82A02C6409C}"/>
               </a:ext>
             </a:extLst>
           </p:cNvPr>
@@ -5289,7 +5281,7 @@
           <a:blip r:embed="rId10">
             <a:extLst>
               <a:ext uri="{96DAC541-7B7A-43D3-8B79-37D633B846F1}">
-                <asvg:svgBlip xmlns:asvg="http://schemas.microsoft.com/office/drawing/2016/SVG/main" xmlns="" r:embed="rId11"/>
+                <asvg:svgBlip xmlns:asvg="http://schemas.microsoft.com/office/drawing/2016/SVG/main" r:embed="rId11"/>
               </a:ext>
             </a:extLst>
           </a:blip>
@@ -5619,50 +5611,50 @@
       </a:lvl9pPr>
     </p:otherStyle>
   </p:txStyles>
-  <p:extLst mod="1">
+  <p:extLst>
     <p:ext uri="{27BBF7A9-308A-43DC-89C8-2F10F3537804}">
       <p15:sldGuideLst xmlns:p15="http://schemas.microsoft.com/office/powerpoint/2012/main">
-        <p15:guide id="4294967295" orient="horz" pos="4065">
+        <p15:guide id="1" orient="horz" pos="4065">
           <p15:clr>
             <a:srgbClr val="F26B43"/>
           </p15:clr>
         </p15:guide>
-        <p15:guide id="4294967295" pos="193">
+        <p15:guide id="2" pos="193">
           <p15:clr>
             <a:srgbClr val="F26B43"/>
           </p15:clr>
         </p15:guide>
-        <p15:guide id="4294967295" pos="5567">
+        <p15:guide id="3" pos="5567">
           <p15:clr>
             <a:srgbClr val="F26B43"/>
           </p15:clr>
         </p15:guide>
-        <p15:guide id="4294967295" orient="horz" pos="255">
+        <p15:guide id="4" orient="horz" pos="255">
           <p15:clr>
             <a:srgbClr val="F26B43"/>
           </p15:clr>
         </p15:guide>
-        <p15:guide id="4294967295" orient="horz" pos="799">
+        <p15:guide id="5" orient="horz" pos="799">
           <p15:clr>
             <a:srgbClr val="F26B43"/>
           </p15:clr>
         </p15:guide>
-        <p15:guide id="4294967295" orient="horz" pos="890">
+        <p15:guide id="6" orient="horz" pos="890">
           <p15:clr>
             <a:srgbClr val="F26B43"/>
           </p15:clr>
         </p15:guide>
-        <p15:guide id="4294967295" pos="2880">
+        <p15:guide id="7" pos="2880">
           <p15:clr>
             <a:srgbClr val="F26B43"/>
           </p15:clr>
         </p15:guide>
-        <p15:guide id="4294967295" pos="2812">
+        <p15:guide id="8" pos="2812">
           <p15:clr>
             <a:srgbClr val="F26B43"/>
           </p15:clr>
         </p15:guide>
-        <p15:guide id="4294967295" pos="2948">
+        <p15:guide id="9" pos="2948">
           <p15:clr>
             <a:srgbClr val="F26B43"/>
           </p15:clr>
@@ -5711,10 +5703,9 @@
           <a:lstStyle/>
           <a:p>
             <a:r>
-              <a:rPr lang="en-US" sz="3200" dirty="0" smtClean="0"/>
+              <a:rPr lang="en-US" sz="3200" dirty="0"/>
               <a:t>Zomato Analysis</a:t>
             </a:r>
-            <a:endParaRPr lang="en-US" sz="3200" dirty="0"/>
           </a:p>
         </p:txBody>
       </p:sp>
@@ -5817,38 +5808,103 @@
         </p:nvSpPr>
         <p:spPr>
           <a:xfrm>
-            <a:off x="1365195" y="356615"/>
-            <a:ext cx="6260905" cy="763525"/>
+            <a:off x="296259" y="433879"/>
+            <a:ext cx="8246070" cy="763525"/>
           </a:xfrm>
         </p:spPr>
         <p:txBody>
           <a:bodyPr>
-            <a:normAutofit fontScale="90000"/>
+            <a:normAutofit/>
           </a:bodyPr>
           <a:lstStyle/>
           <a:p>
             <a:pPr algn="ctr"/>
             <a:r>
               <a:rPr lang="en-US" sz="3200" dirty="0"/>
-              <a:t>Fields Present in data</a:t>
-            </a:r>
-            <a:br>
-              <a:rPr lang="en-US" sz="3200" dirty="0"/>
-            </a:br>
-            <a:endParaRPr lang="en-US" sz="3200" dirty="0"/>
-          </a:p>
-        </p:txBody>
-      </p:sp>
-      <p:sp>
-        <p:nvSpPr>
-          <p:cNvPr id="8" name="TextBox 7"/>
+              <a:t> </a:t>
+            </a:r>
+            <a:r>
+              <a:rPr lang="en-US" sz="3200" u="sng" dirty="0"/>
+              <a:t>Analizing Dataset</a:t>
+            </a:r>
+          </a:p>
+        </p:txBody>
+      </p:sp>
+      <p:pic>
+        <p:nvPicPr>
+          <p:cNvPr id="7" name="Picture 6"/>
+          <p:cNvPicPr>
+            <a:picLocks noChangeAspect="1"/>
+          </p:cNvPicPr>
+          <p:nvPr/>
+        </p:nvPicPr>
+        <p:blipFill>
+          <a:blip r:embed="rId2">
+            <a:extLst>
+              <a:ext uri="{28A0092B-C50C-407E-A947-70E740481C1C}">
+                <a14:useLocalDpi xmlns:a14="http://schemas.microsoft.com/office/drawing/2010/main" val="0"/>
+              </a:ext>
+            </a:extLst>
+          </a:blip>
+          <a:stretch>
+            <a:fillRect/>
+          </a:stretch>
+        </p:blipFill>
+        <p:spPr>
+          <a:xfrm>
+            <a:off x="6405403" y="1197404"/>
+            <a:ext cx="2276475" cy="3713531"/>
+          </a:xfrm>
+          <a:prstGeom prst="rect">
+            <a:avLst/>
+          </a:prstGeom>
+        </p:spPr>
+      </p:pic>
+      <p:pic>
+        <p:nvPicPr>
+          <p:cNvPr id="11" name="Content Placeholder 10"/>
+          <p:cNvPicPr>
+            <a:picLocks noGrp="1" noChangeAspect="1"/>
+          </p:cNvPicPr>
+          <p:nvPr>
+            <p:ph idx="1"/>
+          </p:nvPr>
+        </p:nvPicPr>
+        <p:blipFill>
+          <a:blip r:embed="rId3">
+            <a:extLst>
+              <a:ext uri="{28A0092B-C50C-407E-A947-70E740481C1C}">
+                <a14:useLocalDpi xmlns:a14="http://schemas.microsoft.com/office/drawing/2010/main" val="0"/>
+              </a:ext>
+            </a:extLst>
+          </a:blip>
+          <a:stretch>
+            <a:fillRect/>
+          </a:stretch>
+        </p:blipFill>
+        <p:spPr>
+          <a:xfrm>
+            <a:off x="448965" y="2877160"/>
+            <a:ext cx="5429250" cy="1447800"/>
+          </a:xfrm>
+        </p:spPr>
+      </p:pic>
+      <p:sp>
+        <p:nvSpPr>
+          <p:cNvPr id="3" name="TextBox 2">
+            <a:extLst>
+              <a:ext uri="{FF2B5EF4-FFF2-40B4-BE49-F238E27FC236}">
+                <a16:creationId xmlns:a16="http://schemas.microsoft.com/office/drawing/2014/main" id="{29680291-5C8B-4D39-8B96-5801222F1544}"/>
+              </a:ext>
+            </a:extLst>
+          </p:cNvPr>
           <p:cNvSpPr txBox="1"/>
           <p:nvPr/>
         </p:nvSpPr>
         <p:spPr>
           <a:xfrm>
-            <a:off x="296260" y="1808225"/>
-            <a:ext cx="7020075" cy="3077766"/>
+            <a:off x="296259" y="1502814"/>
+            <a:ext cx="5955495" cy="1200329"/>
           </a:xfrm>
           <a:prstGeom prst="rect">
             <a:avLst/>
@@ -5861,199 +5917,46 @@
           </a:bodyPr>
           <a:lstStyle/>
           <a:p>
-            <a:pPr fontAlgn="base"/>
-            <a:r>
-              <a:rPr lang="en-US" sz="1200" b="1" dirty="0"/>
-              <a:t>Restaurant ID   </a:t>
-            </a:r>
-            <a:r>
-              <a:rPr lang="en-US" sz="1200" dirty="0"/>
-              <a:t>- Identification Number</a:t>
-            </a:r>
-          </a:p>
-          <a:p>
-            <a:pPr fontAlgn="base"/>
-            <a:r>
-              <a:rPr lang="en-US" sz="1200" b="1" dirty="0"/>
-              <a:t>Restaurant Name </a:t>
-            </a:r>
-            <a:r>
-              <a:rPr lang="en-US" sz="1200" dirty="0"/>
-              <a:t>- Name Of the Restaurant</a:t>
-            </a:r>
-          </a:p>
-          <a:p>
-            <a:pPr fontAlgn="base"/>
-            <a:r>
-              <a:rPr lang="en-US" sz="1200" b="1" dirty="0"/>
-              <a:t>Country Code  </a:t>
-            </a:r>
-            <a:r>
-              <a:rPr lang="en-US" sz="1200" dirty="0" smtClean="0"/>
-              <a:t>- Country Identification Number</a:t>
-            </a:r>
-            <a:endParaRPr lang="en-US" sz="1200" dirty="0"/>
-          </a:p>
-          <a:p>
-            <a:pPr fontAlgn="base"/>
-            <a:r>
-              <a:rPr lang="en-US" sz="1200" b="1" dirty="0"/>
-              <a:t>City</a:t>
-            </a:r>
-            <a:r>
-              <a:rPr lang="en-US" sz="1200" dirty="0"/>
-              <a:t>  -  City Name of the Restaurant</a:t>
-            </a:r>
-          </a:p>
-          <a:p>
-            <a:pPr fontAlgn="base"/>
-            <a:r>
-              <a:rPr lang="en-US" sz="1200" b="1" dirty="0" smtClean="0"/>
-              <a:t>Address</a:t>
-            </a:r>
-            <a:r>
-              <a:rPr lang="en-US" sz="1200" dirty="0" smtClean="0"/>
-              <a:t> -  Restaurant Detailed Address</a:t>
-            </a:r>
-            <a:endParaRPr lang="en-US" sz="1200" dirty="0"/>
-          </a:p>
-          <a:p>
-            <a:pPr fontAlgn="base"/>
-            <a:r>
-              <a:rPr lang="en-US" sz="1200" b="1" dirty="0"/>
-              <a:t>Cuisines</a:t>
-            </a:r>
-            <a:r>
-              <a:rPr lang="en-US" sz="1200" dirty="0"/>
-              <a:t>   -  Types Of Cuisines Served</a:t>
-            </a:r>
-          </a:p>
-          <a:p>
-            <a:pPr fontAlgn="base"/>
-            <a:r>
-              <a:rPr lang="en-US" sz="1200" b="1" dirty="0"/>
-              <a:t>Average Cost for two</a:t>
-            </a:r>
-            <a:r>
-              <a:rPr lang="en-US" sz="1200" dirty="0"/>
-              <a:t>   -   Average Cost if two people visit the Restaurant</a:t>
-            </a:r>
-          </a:p>
-          <a:p>
-            <a:pPr fontAlgn="base"/>
-            <a:r>
-              <a:rPr lang="en-US" sz="1200" b="1" dirty="0"/>
-              <a:t>Currency</a:t>
-            </a:r>
-            <a:r>
-              <a:rPr lang="en-US" sz="1200" dirty="0"/>
-              <a:t>    </a:t>
-            </a:r>
-          </a:p>
-          <a:p>
-            <a:pPr fontAlgn="base"/>
-            <a:r>
-              <a:rPr lang="en-US" sz="1200" b="1" dirty="0"/>
-              <a:t>Has Table booking    </a:t>
-            </a:r>
-            <a:r>
-              <a:rPr lang="en-US" sz="1200" dirty="0"/>
-              <a:t>-    Can we book tables in Restaurant? Yes/No</a:t>
-            </a:r>
-          </a:p>
-          <a:p>
-            <a:pPr fontAlgn="base"/>
-            <a:r>
-              <a:rPr lang="en-US" sz="1200" b="1" dirty="0"/>
-              <a:t>Has Online delivery    </a:t>
-            </a:r>
-            <a:r>
-              <a:rPr lang="en-US" sz="1200" dirty="0"/>
-              <a:t>-    Can we have online delivery ? Yes/No</a:t>
-            </a:r>
-          </a:p>
-          <a:p>
-            <a:pPr fontAlgn="base"/>
-            <a:r>
-              <a:rPr lang="en-US" sz="1200" b="1" dirty="0"/>
-              <a:t>Is delivering now    </a:t>
-            </a:r>
-            <a:r>
-              <a:rPr lang="en-US" sz="1200" dirty="0"/>
-              <a:t>-    Is the Restaurant delivering food now? Yes/No</a:t>
-            </a:r>
-          </a:p>
-          <a:p>
-            <a:pPr fontAlgn="base"/>
-            <a:r>
-              <a:rPr lang="en-US" sz="1200" b="1" dirty="0"/>
-              <a:t>Price range   </a:t>
-            </a:r>
-            <a:r>
-              <a:rPr lang="en-US" sz="1200" dirty="0"/>
-              <a:t>-    Categorized price between </a:t>
-            </a:r>
-            <a:r>
-              <a:rPr lang="en-US" sz="1200" dirty="0" smtClean="0"/>
-              <a:t>(1 </a:t>
-            </a:r>
-            <a:r>
-              <a:rPr lang="en-US" sz="1200" dirty="0"/>
-              <a:t>-</a:t>
-            </a:r>
-            <a:r>
-              <a:rPr lang="en-US" sz="1200" dirty="0" smtClean="0"/>
-              <a:t>4)</a:t>
-            </a:r>
-            <a:endParaRPr lang="en-US" sz="1200" dirty="0"/>
-          </a:p>
-          <a:p>
-            <a:pPr fontAlgn="base"/>
-            <a:r>
-              <a:rPr lang="en-US" sz="1200" b="1" dirty="0"/>
-              <a:t>Aggregate rating   </a:t>
-            </a:r>
-            <a:r>
-              <a:rPr lang="en-US" sz="1200" dirty="0"/>
-              <a:t>-   Categorizing ratings between </a:t>
-            </a:r>
-            <a:r>
-              <a:rPr lang="en-US" sz="1200" dirty="0" smtClean="0"/>
-              <a:t>(1-5)</a:t>
-            </a:r>
-            <a:endParaRPr lang="en-US" sz="1200" dirty="0"/>
-          </a:p>
-          <a:p>
-            <a:pPr fontAlgn="base"/>
-            <a:r>
-              <a:rPr lang="en-US" sz="1200" b="1" dirty="0"/>
-              <a:t>Rating text    </a:t>
-            </a:r>
-            <a:r>
-              <a:rPr lang="en-US" sz="1200" dirty="0"/>
-              <a:t>-   Different Rating like Excellent, Very Good ,Good, Avg., Poor, Not Rated</a:t>
-            </a:r>
-          </a:p>
-          <a:p>
-            <a:pPr fontAlgn="base"/>
-            <a:r>
-              <a:rPr lang="en-US" sz="1200" b="1" dirty="0"/>
-              <a:t>Votes</a:t>
-            </a:r>
-            <a:r>
-              <a:rPr lang="en-US" sz="1200" dirty="0"/>
-              <a:t>    -    No. Of  Votes received by restaurant from customers.</a:t>
-            </a:r>
-          </a:p>
-          <a:p>
-            <a:endParaRPr lang="en-US" sz="1400" dirty="0"/>
+            <a:pPr marL="285750" indent="-285750">
+              <a:buFont typeface="Arial" panose="020B0604020202020204" pitchFamily="34" charset="0"/>
+              <a:buChar char="•"/>
+            </a:pPr>
+            <a:r>
+              <a:rPr lang="en-IN" dirty="0"/>
+              <a:t>Count Restaurant in each country using </a:t>
+            </a:r>
+            <a:r>
+              <a:rPr lang="en-IN" dirty="0" err="1"/>
+              <a:t>sql</a:t>
+            </a:r>
+            <a:r>
+              <a:rPr lang="en-IN" dirty="0"/>
+              <a:t> query</a:t>
+            </a:r>
+          </a:p>
+          <a:p>
+            <a:pPr marL="285750" indent="-285750">
+              <a:buFont typeface="Arial" panose="020B0604020202020204" pitchFamily="34" charset="0"/>
+              <a:buChar char="•"/>
+            </a:pPr>
+            <a:r>
+              <a:rPr lang="en-IN" dirty="0"/>
+              <a:t>Table shown is output</a:t>
+            </a:r>
+          </a:p>
+          <a:p>
+            <a:pPr marL="285750" indent="-285750">
+              <a:buFont typeface="Arial" panose="020B0604020202020204" pitchFamily="34" charset="0"/>
+              <a:buChar char="•"/>
+            </a:pPr>
+            <a:endParaRPr lang="en-IN" dirty="0"/>
           </a:p>
         </p:txBody>
       </p:sp>
     </p:spTree>
     <p:extLst>
       <p:ext uri="{BB962C8B-B14F-4D97-AF65-F5344CB8AC3E}">
-        <p14:creationId xmlns:p14="http://schemas.microsoft.com/office/powerpoint/2010/main" val="151956068"/>
+        <p14:creationId xmlns:p14="http://schemas.microsoft.com/office/powerpoint/2010/main" val="1463951749"/>
       </p:ext>
     </p:extLst>
   </p:cSld>
@@ -6092,28 +5995,86 @@
         </p:nvSpPr>
         <p:spPr>
           <a:xfrm>
-            <a:off x="435808" y="739290"/>
-            <a:ext cx="8246070" cy="763525"/>
+            <a:off x="298515" y="549987"/>
+            <a:ext cx="8532019" cy="641270"/>
           </a:xfrm>
         </p:spPr>
         <p:txBody>
           <a:bodyPr>
-            <a:normAutofit/>
+            <a:normAutofit fontScale="90000"/>
           </a:bodyPr>
           <a:lstStyle/>
           <a:p>
-            <a:pPr algn="l"/>
-            <a:r>
-              <a:rPr lang="en-US" sz="3200" dirty="0" smtClean="0"/>
-              <a:t>Analyzing Dataset</a:t>
-            </a:r>
-            <a:endParaRPr lang="en-US" sz="3200" dirty="0"/>
+            <a:r>
+              <a:rPr lang="en-US" sz="3600" u="sng" dirty="0"/>
+              <a:t>Count of Restaurants in each city:</a:t>
+            </a:r>
+            <a:br>
+              <a:rPr lang="en-US" dirty="0"/>
+            </a:br>
+            <a:endParaRPr lang="en-US" dirty="0"/>
+          </a:p>
+        </p:txBody>
+      </p:sp>
+      <p:sp>
+        <p:nvSpPr>
+          <p:cNvPr id="3" name="Content Placeholder 2"/>
+          <p:cNvSpPr>
+            <a:spLocks noGrp="1"/>
+          </p:cNvSpPr>
+          <p:nvPr>
+            <p:ph idx="1"/>
+          </p:nvPr>
+        </p:nvSpPr>
+        <p:spPr>
+          <a:xfrm>
+            <a:off x="298515" y="1121075"/>
+            <a:ext cx="7480289" cy="3482813"/>
+          </a:xfrm>
+        </p:spPr>
+        <p:txBody>
+          <a:bodyPr/>
+          <a:lstStyle/>
+          <a:p>
+            <a:pPr>
+              <a:buFont typeface="Arial" panose="020B0604020202020204" pitchFamily="34" charset="0"/>
+              <a:buChar char="•"/>
+            </a:pPr>
+            <a:endParaRPr lang="en-US" dirty="0"/>
+          </a:p>
+          <a:p>
+            <a:pPr>
+              <a:buFont typeface="Arial" panose="020B0604020202020204" pitchFamily="34" charset="0"/>
+              <a:buChar char="•"/>
+            </a:pPr>
+            <a:endParaRPr lang="en-US" dirty="0"/>
+          </a:p>
+          <a:p>
+            <a:pPr>
+              <a:buFont typeface="Arial" panose="020B0604020202020204" pitchFamily="34" charset="0"/>
+              <a:buChar char="•"/>
+            </a:pPr>
+            <a:endParaRPr lang="en-US" dirty="0"/>
+          </a:p>
+          <a:p>
+            <a:pPr>
+              <a:buFont typeface="Arial" panose="020B0604020202020204" pitchFamily="34" charset="0"/>
+              <a:buChar char="•"/>
+            </a:pPr>
+            <a:endParaRPr lang="en-US" dirty="0"/>
+          </a:p>
+          <a:p>
+            <a:pPr>
+              <a:buFont typeface="Arial" panose="020B0604020202020204" pitchFamily="34" charset="0"/>
+              <a:buChar char="•"/>
+            </a:pPr>
+            <a:endParaRPr lang="en-US" dirty="0"/>
           </a:p>
         </p:txBody>
       </p:sp>
       <p:pic>
         <p:nvPicPr>
-          <p:cNvPr id="7" name="Picture 6"/>
+          <p:cNvPr id="4" name="Picture 3"/>
           <p:cNvPicPr>
             <a:picLocks noChangeAspect="1"/>
           </p:cNvPicPr>
@@ -6133,8 +6094,8 @@
         </p:blipFill>
         <p:spPr>
           <a:xfrm>
-            <a:off x="6405403" y="1197404"/>
-            <a:ext cx="2276475" cy="3713531"/>
+            <a:off x="5892432" y="1350110"/>
+            <a:ext cx="3206805" cy="3423543"/>
           </a:xfrm>
           <a:prstGeom prst="rect">
             <a:avLst/>
@@ -6143,13 +6104,11 @@
       </p:pic>
       <p:pic>
         <p:nvPicPr>
-          <p:cNvPr id="11" name="Content Placeholder 10"/>
+          <p:cNvPr id="5" name="Picture 4"/>
           <p:cNvPicPr>
-            <a:picLocks noGrp="1" noChangeAspect="1"/>
+            <a:picLocks noChangeAspect="1"/>
           </p:cNvPicPr>
-          <p:nvPr>
-            <p:ph idx="1"/>
-          </p:nvPr>
+          <p:nvPr/>
         </p:nvPicPr>
         <p:blipFill>
           <a:blip r:embed="rId3">
@@ -6165,15 +6124,71 @@
         </p:blipFill>
         <p:spPr>
           <a:xfrm>
-            <a:off x="448965" y="2877160"/>
-            <a:ext cx="5429250" cy="1447800"/>
-          </a:xfrm>
+            <a:off x="296260" y="2724455"/>
+            <a:ext cx="5596172" cy="1374345"/>
+          </a:xfrm>
+          <a:prstGeom prst="rect">
+            <a:avLst/>
+          </a:prstGeom>
         </p:spPr>
       </p:pic>
+      <p:sp>
+        <p:nvSpPr>
+          <p:cNvPr id="7" name="TextBox 6">
+            <a:extLst>
+              <a:ext uri="{FF2B5EF4-FFF2-40B4-BE49-F238E27FC236}">
+                <a16:creationId xmlns:a16="http://schemas.microsoft.com/office/drawing/2014/main" id="{421C24B4-BE99-4398-A210-4CC901AA27E6}"/>
+              </a:ext>
+            </a:extLst>
+          </p:cNvPr>
+          <p:cNvSpPr txBox="1"/>
+          <p:nvPr/>
+        </p:nvSpPr>
+        <p:spPr>
+          <a:xfrm>
+            <a:off x="296260" y="1954525"/>
+            <a:ext cx="5497380" cy="1200329"/>
+          </a:xfrm>
+          <a:prstGeom prst="rect">
+            <a:avLst/>
+          </a:prstGeom>
+          <a:noFill/>
+        </p:spPr>
+        <p:txBody>
+          <a:bodyPr wrap="square" rtlCol="0">
+            <a:spAutoFit/>
+          </a:bodyPr>
+          <a:lstStyle/>
+          <a:p>
+            <a:pPr marL="285750" indent="-285750">
+              <a:buFont typeface="Arial" panose="020B0604020202020204" pitchFamily="34" charset="0"/>
+              <a:buChar char="•"/>
+            </a:pPr>
+            <a:r>
+              <a:rPr lang="en-IN" dirty="0"/>
+              <a:t>Query shows Count of restaurant in each city</a:t>
+            </a:r>
+          </a:p>
+          <a:p>
+            <a:pPr marL="285750" indent="-285750">
+              <a:buFont typeface="Arial" panose="020B0604020202020204" pitchFamily="34" charset="0"/>
+              <a:buChar char="•"/>
+            </a:pPr>
+            <a:endParaRPr lang="en-IN" dirty="0"/>
+          </a:p>
+          <a:p>
+            <a:pPr marL="285750" indent="-285750">
+              <a:buFont typeface="Arial" panose="020B0604020202020204" pitchFamily="34" charset="0"/>
+              <a:buChar char="•"/>
+            </a:pPr>
+            <a:endParaRPr lang="en-IN" dirty="0"/>
+          </a:p>
+        </p:txBody>
+      </p:sp>
     </p:spTree>
     <p:extLst>
       <p:ext uri="{BB962C8B-B14F-4D97-AF65-F5344CB8AC3E}">
-        <p14:creationId xmlns:p14="http://schemas.microsoft.com/office/powerpoint/2010/main" val="1463951749"/>
+        <p14:creationId xmlns:p14="http://schemas.microsoft.com/office/powerpoint/2010/main" val="2585863447"/>
       </p:ext>
     </p:extLst>
   </p:cSld>
@@ -6212,98 +6227,32 @@
         </p:nvSpPr>
         <p:spPr>
           <a:xfrm>
-            <a:off x="298515" y="549987"/>
+            <a:off x="298451" y="586585"/>
             <a:ext cx="8532019" cy="641270"/>
           </a:xfrm>
         </p:spPr>
         <p:txBody>
           <a:bodyPr>
-            <a:normAutofit fontScale="90000"/>
+            <a:normAutofit/>
           </a:bodyPr>
           <a:lstStyle/>
           <a:p>
             <a:r>
-              <a:rPr lang="en-US" sz="3600" dirty="0"/>
-              <a:t>Count of Restaurants in each </a:t>
-            </a:r>
-            <a:r>
-              <a:rPr lang="en-US" sz="3600" dirty="0" smtClean="0"/>
-              <a:t>city:</a:t>
-            </a:r>
-            <a:r>
-              <a:rPr lang="en-US" dirty="0"/>
-              <a:t/>
-            </a:r>
-            <a:br>
-              <a:rPr lang="en-US" dirty="0"/>
-            </a:br>
-            <a:endParaRPr lang="en-US" dirty="0"/>
-          </a:p>
-        </p:txBody>
-      </p:sp>
-      <p:sp>
-        <p:nvSpPr>
-          <p:cNvPr id="3" name="Content Placeholder 2"/>
-          <p:cNvSpPr>
-            <a:spLocks noGrp="1"/>
-          </p:cNvSpPr>
-          <p:nvPr>
-            <p:ph idx="1"/>
-          </p:nvPr>
-        </p:nvSpPr>
-        <p:spPr>
-          <a:xfrm>
-            <a:off x="298515" y="1121075"/>
-            <a:ext cx="7480289" cy="3482813"/>
-          </a:xfrm>
-        </p:spPr>
-        <p:txBody>
-          <a:bodyPr/>
-          <a:lstStyle/>
-          <a:p>
-            <a:pPr>
-              <a:buFont typeface="Arial" panose="020B0604020202020204" pitchFamily="34" charset="0"/>
-              <a:buChar char="•"/>
-            </a:pPr>
-            <a:endParaRPr lang="en-US" dirty="0" smtClean="0"/>
-          </a:p>
-          <a:p>
-            <a:pPr>
-              <a:buFont typeface="Arial" panose="020B0604020202020204" pitchFamily="34" charset="0"/>
-              <a:buChar char="•"/>
-            </a:pPr>
-            <a:endParaRPr lang="en-US" dirty="0"/>
-          </a:p>
-          <a:p>
-            <a:pPr>
-              <a:buFont typeface="Arial" panose="020B0604020202020204" pitchFamily="34" charset="0"/>
-              <a:buChar char="•"/>
-            </a:pPr>
-            <a:endParaRPr lang="en-US" dirty="0" smtClean="0"/>
-          </a:p>
-          <a:p>
-            <a:pPr>
-              <a:buFont typeface="Arial" panose="020B0604020202020204" pitchFamily="34" charset="0"/>
-              <a:buChar char="•"/>
-            </a:pPr>
-            <a:endParaRPr lang="en-US" dirty="0"/>
-          </a:p>
-          <a:p>
-            <a:pPr>
-              <a:buFont typeface="Arial" panose="020B0604020202020204" pitchFamily="34" charset="0"/>
-              <a:buChar char="•"/>
-            </a:pPr>
-            <a:endParaRPr lang="en-US" dirty="0"/>
+              <a:rPr lang="en-US" sz="3200" u="sng" dirty="0"/>
+              <a:t>Rating wise Count</a:t>
+            </a:r>
           </a:p>
         </p:txBody>
       </p:sp>
       <p:pic>
         <p:nvPicPr>
-          <p:cNvPr id="4" name="Picture 3"/>
+          <p:cNvPr id="4" name="Content Placeholder 3"/>
           <p:cNvPicPr>
-            <a:picLocks noChangeAspect="1"/>
+            <a:picLocks noGrp="1" noChangeAspect="1"/>
           </p:cNvPicPr>
-          <p:nvPr/>
+          <p:nvPr>
+            <p:ph idx="1"/>
+          </p:nvPr>
         </p:nvPicPr>
         <p:blipFill>
           <a:blip r:embed="rId2">
@@ -6319,12 +6268,9 @@
         </p:blipFill>
         <p:spPr>
           <a:xfrm>
-            <a:off x="5892432" y="1350110"/>
-            <a:ext cx="3206805" cy="3423543"/>
-          </a:xfrm>
-          <a:prstGeom prst="rect">
-            <a:avLst/>
-          </a:prstGeom>
+            <a:off x="296260" y="2266340"/>
+            <a:ext cx="5189779" cy="2137870"/>
+          </a:xfrm>
         </p:spPr>
       </p:pic>
       <p:pic>
@@ -6349,18 +6295,65 @@
         </p:blipFill>
         <p:spPr>
           <a:xfrm>
-            <a:off x="448964" y="2724455"/>
-            <a:ext cx="5039265" cy="1254149"/>
+            <a:off x="5615489" y="2299456"/>
+            <a:ext cx="3277032" cy="2071638"/>
           </a:xfrm>
           <a:prstGeom prst="rect">
             <a:avLst/>
           </a:prstGeom>
         </p:spPr>
       </p:pic>
+      <p:sp>
+        <p:nvSpPr>
+          <p:cNvPr id="3" name="TextBox 2">
+            <a:extLst>
+              <a:ext uri="{FF2B5EF4-FFF2-40B4-BE49-F238E27FC236}">
+                <a16:creationId xmlns:a16="http://schemas.microsoft.com/office/drawing/2014/main" id="{E0024F9A-DBE2-4079-AA20-8B6AD3299075}"/>
+              </a:ext>
+            </a:extLst>
+          </p:cNvPr>
+          <p:cNvSpPr txBox="1"/>
+          <p:nvPr/>
+        </p:nvSpPr>
+        <p:spPr>
+          <a:xfrm>
+            <a:off x="143554" y="1675700"/>
+            <a:ext cx="6871725" cy="584775"/>
+          </a:xfrm>
+          <a:prstGeom prst="rect">
+            <a:avLst/>
+          </a:prstGeom>
+          <a:noFill/>
+        </p:spPr>
+        <p:txBody>
+          <a:bodyPr wrap="square" rtlCol="0">
+            <a:spAutoFit/>
+          </a:bodyPr>
+          <a:lstStyle/>
+          <a:p>
+            <a:pPr marL="285750" indent="-285750">
+              <a:buFont typeface="Arial" panose="020B0604020202020204" pitchFamily="34" charset="0"/>
+              <a:buChar char="•"/>
+            </a:pPr>
+            <a:r>
+              <a:rPr lang="en-IN" sz="1600" dirty="0"/>
+              <a:t>Query shows count of restaurant falls under each </a:t>
+            </a:r>
+            <a:r>
+              <a:rPr lang="en-IN" sz="1600" dirty="0" err="1"/>
+              <a:t>RatingText</a:t>
+            </a:r>
+            <a:r>
+              <a:rPr lang="en-IN" sz="1600" dirty="0"/>
+              <a:t> category</a:t>
+            </a:r>
+          </a:p>
+        </p:txBody>
+      </p:sp>
     </p:spTree>
     <p:extLst>
       <p:ext uri="{BB962C8B-B14F-4D97-AF65-F5344CB8AC3E}">
-        <p14:creationId xmlns:p14="http://schemas.microsoft.com/office/powerpoint/2010/main" val="2585863447"/>
+        <p14:creationId xmlns:p14="http://schemas.microsoft.com/office/powerpoint/2010/main" val="193552485"/>
       </p:ext>
     </p:extLst>
   </p:cSld>
@@ -6389,7 +6382,13 @@
       </p:grpSpPr>
       <p:sp>
         <p:nvSpPr>
-          <p:cNvPr id="2" name="Title 1"/>
+          <p:cNvPr id="2" name="Title 1">
+            <a:extLst>
+              <a:ext uri="{FF2B5EF4-FFF2-40B4-BE49-F238E27FC236}">
+                <a16:creationId xmlns:a16="http://schemas.microsoft.com/office/drawing/2014/main" id="{5B1C6C6E-AADA-481B-A204-C9859B1499DF}"/>
+              </a:ext>
+            </a:extLst>
+          </p:cNvPr>
           <p:cNvSpPr>
             <a:spLocks noGrp="1"/>
           </p:cNvSpPr>
@@ -6397,10 +6396,38 @@
             <p:ph type="title"/>
           </p:nvPr>
         </p:nvSpPr>
-        <p:spPr>
-          <a:xfrm>
-            <a:off x="298451" y="586585"/>
-            <a:ext cx="8532019" cy="641270"/>
+        <p:spPr/>
+        <p:txBody>
+          <a:bodyPr/>
+          <a:lstStyle/>
+          <a:p>
+            <a:r>
+              <a:rPr lang="en-IN" u="sng" dirty="0"/>
+              <a:t>Nested Query Operation</a:t>
+            </a:r>
+          </a:p>
+        </p:txBody>
+      </p:sp>
+      <p:sp>
+        <p:nvSpPr>
+          <p:cNvPr id="3" name="Content Placeholder 2">
+            <a:extLst>
+              <a:ext uri="{FF2B5EF4-FFF2-40B4-BE49-F238E27FC236}">
+                <a16:creationId xmlns:a16="http://schemas.microsoft.com/office/drawing/2014/main" id="{086EB823-2CF6-4B43-939F-665E3246613D}"/>
+              </a:ext>
+            </a:extLst>
+          </p:cNvPr>
+          <p:cNvSpPr>
+            <a:spLocks noGrp="1"/>
+          </p:cNvSpPr>
+          <p:nvPr>
+            <p:ph idx="1"/>
+          </p:nvPr>
+        </p:nvSpPr>
+        <p:spPr>
+          <a:xfrm>
+            <a:off x="71777" y="951310"/>
+            <a:ext cx="8758759" cy="3652579"/>
           </a:xfrm>
         </p:spPr>
         <p:txBody>
@@ -6409,23 +6436,36 @@
           </a:bodyPr>
           <a:lstStyle/>
           <a:p>
-            <a:r>
-              <a:rPr lang="en-US" sz="3200" dirty="0" smtClean="0"/>
-              <a:t>Rating wise Count</a:t>
-            </a:r>
-            <a:endParaRPr lang="en-US" sz="3200" dirty="0"/>
+            <a:pPr>
+              <a:buFont typeface="Arial" panose="020B0604020202020204" pitchFamily="34" charset="0"/>
+              <a:buChar char="•"/>
+            </a:pPr>
+            <a:r>
+              <a:rPr lang="en-IN" sz="1600" dirty="0"/>
+              <a:t>Finding details of restaurant having Excellent Rating and currently open for booking </a:t>
+            </a:r>
+          </a:p>
+          <a:p>
+            <a:pPr marL="0" indent="0">
+              <a:buNone/>
+            </a:pPr>
+            <a:endParaRPr lang="en-IN" sz="1600" dirty="0"/>
           </a:p>
         </p:txBody>
       </p:sp>
       <p:pic>
         <p:nvPicPr>
-          <p:cNvPr id="4" name="Content Placeholder 3"/>
+          <p:cNvPr id="5" name="Picture 4">
+            <a:extLst>
+              <a:ext uri="{FF2B5EF4-FFF2-40B4-BE49-F238E27FC236}">
+                <a16:creationId xmlns:a16="http://schemas.microsoft.com/office/drawing/2014/main" id="{F1FF665D-7870-4352-8F95-F620360417E2}"/>
+              </a:ext>
+            </a:extLst>
+          </p:cNvPr>
           <p:cNvPicPr>
-            <a:picLocks noGrp="1" noChangeAspect="1"/>
+            <a:picLocks noChangeAspect="1"/>
           </p:cNvPicPr>
-          <p:nvPr>
-            <p:ph idx="1"/>
-          </p:nvPr>
+          <p:nvPr/>
         </p:nvPicPr>
         <p:blipFill>
           <a:blip r:embed="rId2">
@@ -6441,35 +6481,8 @@
         </p:blipFill>
         <p:spPr>
           <a:xfrm>
-            <a:off x="296260" y="2266340"/>
-            <a:ext cx="5189779" cy="2137870"/>
-          </a:xfrm>
-        </p:spPr>
-      </p:pic>
-      <p:pic>
-        <p:nvPicPr>
-          <p:cNvPr id="5" name="Picture 4"/>
-          <p:cNvPicPr>
-            <a:picLocks noChangeAspect="1"/>
-          </p:cNvPicPr>
-          <p:nvPr/>
-        </p:nvPicPr>
-        <p:blipFill>
-          <a:blip r:embed="rId3">
-            <a:extLst>
-              <a:ext uri="{28A0092B-C50C-407E-A947-70E740481C1C}">
-                <a14:useLocalDpi xmlns:a14="http://schemas.microsoft.com/office/drawing/2010/main" val="0"/>
-              </a:ext>
-            </a:extLst>
-          </a:blip>
-          <a:stretch>
-            <a:fillRect/>
-          </a:stretch>
-        </p:blipFill>
-        <p:spPr>
-          <a:xfrm>
-            <a:off x="5793640" y="2418189"/>
-            <a:ext cx="2901395" cy="1834172"/>
+            <a:off x="71777" y="1736331"/>
+            <a:ext cx="9000445" cy="2838252"/>
           </a:xfrm>
           <a:prstGeom prst="rect">
             <a:avLst/>
@@ -6479,7 +6492,7 @@
     </p:spTree>
     <p:extLst>
       <p:ext uri="{BB962C8B-B14F-4D97-AF65-F5344CB8AC3E}">
-        <p14:creationId xmlns:p14="http://schemas.microsoft.com/office/powerpoint/2010/main" val="193552485"/>
+        <p14:creationId xmlns:p14="http://schemas.microsoft.com/office/powerpoint/2010/main" val="3709977842"/>
       </p:ext>
     </p:extLst>
   </p:cSld>
@@ -6521,29 +6534,84 @@
           <a:bodyPr/>
           <a:lstStyle/>
           <a:p>
-            <a:endParaRPr lang="en-US"/>
-          </a:p>
-        </p:txBody>
-      </p:sp>
-      <p:sp>
-        <p:nvSpPr>
-          <p:cNvPr id="3" name="Content Placeholder 2"/>
-          <p:cNvSpPr>
-            <a:spLocks noGrp="1"/>
-          </p:cNvSpPr>
+            <a:r>
+              <a:rPr lang="en-US" u="sng" dirty="0"/>
+              <a:t>Highest Rated Restaurant In City</a:t>
+            </a:r>
+          </a:p>
+        </p:txBody>
+      </p:sp>
+      <p:pic>
+        <p:nvPicPr>
+          <p:cNvPr id="5" name="Content Placeholder 4">
+            <a:extLst>
+              <a:ext uri="{FF2B5EF4-FFF2-40B4-BE49-F238E27FC236}">
+                <a16:creationId xmlns:a16="http://schemas.microsoft.com/office/drawing/2014/main" id="{99B3EBD3-DC98-48D0-A6FD-082DD956C628}"/>
+              </a:ext>
+            </a:extLst>
+          </p:cNvPr>
+          <p:cNvPicPr>
+            <a:picLocks noGrp="1" noChangeAspect="1"/>
+          </p:cNvPicPr>
           <p:nvPr>
             <p:ph idx="1"/>
           </p:nvPr>
-        </p:nvSpPr>
-        <p:spPr/>
-        <p:txBody>
-          <a:bodyPr/>
-          <a:lstStyle/>
-          <a:p>
-            <a:endParaRPr lang="en-US"/>
-          </a:p>
-        </p:txBody>
-      </p:sp>
+        </p:nvPicPr>
+        <p:blipFill>
+          <a:blip r:embed="rId2">
+            <a:extLst>
+              <a:ext uri="{28A0092B-C50C-407E-A947-70E740481C1C}">
+                <a14:useLocalDpi xmlns:a14="http://schemas.microsoft.com/office/drawing/2010/main" val="0"/>
+              </a:ext>
+            </a:extLst>
+          </a:blip>
+          <a:stretch>
+            <a:fillRect/>
+          </a:stretch>
+        </p:blipFill>
+        <p:spPr>
+          <a:xfrm>
+            <a:off x="169469" y="1037829"/>
+            <a:ext cx="4113306" cy="1204225"/>
+          </a:xfrm>
+        </p:spPr>
+      </p:pic>
+      <p:pic>
+        <p:nvPicPr>
+          <p:cNvPr id="7" name="Picture 6">
+            <a:extLst>
+              <a:ext uri="{FF2B5EF4-FFF2-40B4-BE49-F238E27FC236}">
+                <a16:creationId xmlns:a16="http://schemas.microsoft.com/office/drawing/2014/main" id="{7AD399A7-67F1-4A37-9D43-5C02386C2FC4}"/>
+              </a:ext>
+            </a:extLst>
+          </p:cNvPr>
+          <p:cNvPicPr>
+            <a:picLocks noChangeAspect="1"/>
+          </p:cNvPicPr>
+          <p:nvPr/>
+        </p:nvPicPr>
+        <p:blipFill>
+          <a:blip r:embed="rId3">
+            <a:extLst>
+              <a:ext uri="{28A0092B-C50C-407E-A947-70E740481C1C}">
+                <a14:useLocalDpi xmlns:a14="http://schemas.microsoft.com/office/drawing/2010/main" val="0"/>
+              </a:ext>
+            </a:extLst>
+          </a:blip>
+          <a:stretch>
+            <a:fillRect/>
+          </a:stretch>
+        </p:blipFill>
+        <p:spPr>
+          <a:xfrm>
+            <a:off x="143555" y="2242054"/>
+            <a:ext cx="8148030" cy="2783521"/>
+          </a:xfrm>
+          <a:prstGeom prst="rect">
+            <a:avLst/>
+          </a:prstGeom>
+        </p:spPr>
+      </p:pic>
     </p:spTree>
     <p:extLst>
       <p:ext uri="{BB962C8B-B14F-4D97-AF65-F5344CB8AC3E}">
@@ -6576,7 +6644,13 @@
       </p:grpSpPr>
       <p:sp>
         <p:nvSpPr>
-          <p:cNvPr id="2" name="Title 1"/>
+          <p:cNvPr id="2" name="Title 1">
+            <a:extLst>
+              <a:ext uri="{FF2B5EF4-FFF2-40B4-BE49-F238E27FC236}">
+                <a16:creationId xmlns:a16="http://schemas.microsoft.com/office/drawing/2014/main" id="{4BB78DCE-4D15-4AC4-8ACB-A801FF4EC30D}"/>
+              </a:ext>
+            </a:extLst>
+          </p:cNvPr>
           <p:cNvSpPr>
             <a:spLocks noGrp="1"/>
           </p:cNvSpPr>
@@ -6590,17 +6664,87 @@
           <a:lstStyle/>
           <a:p>
             <a:r>
-              <a:rPr lang="en-US" dirty="0" smtClean="0"/>
-              <a:t>Results</a:t>
-            </a:r>
-            <a:endParaRPr lang="en-US" dirty="0"/>
-          </a:p>
-        </p:txBody>
-      </p:sp>
+              <a:rPr lang="en-IN" u="sng" dirty="0"/>
+              <a:t>Details of Highly Voted Restaurant</a:t>
+            </a:r>
+          </a:p>
+        </p:txBody>
+      </p:sp>
+      <p:pic>
+        <p:nvPicPr>
+          <p:cNvPr id="5" name="Content Placeholder 4">
+            <a:extLst>
+              <a:ext uri="{FF2B5EF4-FFF2-40B4-BE49-F238E27FC236}">
+                <a16:creationId xmlns:a16="http://schemas.microsoft.com/office/drawing/2014/main" id="{61F06BB6-3427-47F0-8263-BEA9B82C2467}"/>
+              </a:ext>
+            </a:extLst>
+          </p:cNvPr>
+          <p:cNvPicPr>
+            <a:picLocks noGrp="1" noChangeAspect="1"/>
+          </p:cNvPicPr>
+          <p:nvPr>
+            <p:ph idx="1"/>
+          </p:nvPr>
+        </p:nvPicPr>
+        <p:blipFill>
+          <a:blip r:embed="rId2">
+            <a:extLst>
+              <a:ext uri="{28A0092B-C50C-407E-A947-70E740481C1C}">
+                <a14:useLocalDpi xmlns:a14="http://schemas.microsoft.com/office/drawing/2010/main" val="0"/>
+              </a:ext>
+            </a:extLst>
+          </a:blip>
+          <a:stretch>
+            <a:fillRect/>
+          </a:stretch>
+        </p:blipFill>
+        <p:spPr>
+          <a:xfrm>
+            <a:off x="70884" y="739290"/>
+            <a:ext cx="4888743" cy="1308458"/>
+          </a:xfrm>
+        </p:spPr>
+      </p:pic>
+      <p:pic>
+        <p:nvPicPr>
+          <p:cNvPr id="7" name="Picture 6">
+            <a:extLst>
+              <a:ext uri="{FF2B5EF4-FFF2-40B4-BE49-F238E27FC236}">
+                <a16:creationId xmlns:a16="http://schemas.microsoft.com/office/drawing/2014/main" id="{013D2C99-CFF2-4437-B0A4-5FAF2A1F3FF3}"/>
+              </a:ext>
+            </a:extLst>
+          </p:cNvPr>
+          <p:cNvPicPr>
+            <a:picLocks noChangeAspect="1"/>
+          </p:cNvPicPr>
+          <p:nvPr/>
+        </p:nvPicPr>
+        <p:blipFill>
+          <a:blip r:embed="rId3">
+            <a:extLst>
+              <a:ext uri="{28A0092B-C50C-407E-A947-70E740481C1C}">
+                <a14:useLocalDpi xmlns:a14="http://schemas.microsoft.com/office/drawing/2010/main" val="0"/>
+              </a:ext>
+            </a:extLst>
+          </a:blip>
+          <a:stretch>
+            <a:fillRect/>
+          </a:stretch>
+        </p:blipFill>
+        <p:spPr>
+          <a:xfrm>
+            <a:off x="143555" y="2047748"/>
+            <a:ext cx="8775862" cy="2682491"/>
+          </a:xfrm>
+          <a:prstGeom prst="rect">
+            <a:avLst/>
+          </a:prstGeom>
+        </p:spPr>
+      </p:pic>
     </p:spTree>
     <p:extLst>
       <p:ext uri="{BB962C8B-B14F-4D97-AF65-F5344CB8AC3E}">
-        <p14:creationId xmlns:p14="http://schemas.microsoft.com/office/powerpoint/2010/main" val="650580293"/>
+        <p14:creationId xmlns:p14="http://schemas.microsoft.com/office/powerpoint/2010/main" val="2684754229"/>
       </p:ext>
     </p:extLst>
   </p:cSld>
@@ -6629,14 +6773,88 @@
       </p:grpSpPr>
       <p:sp>
         <p:nvSpPr>
-          <p:cNvPr id="2" name="TextBox 1"/>
+          <p:cNvPr id="2" name="Title 1">
+            <a:extLst>
+              <a:ext uri="{FF2B5EF4-FFF2-40B4-BE49-F238E27FC236}">
+                <a16:creationId xmlns:a16="http://schemas.microsoft.com/office/drawing/2014/main" id="{76CC49EE-F7CE-4A4A-86F8-217CE613B440}"/>
+              </a:ext>
+            </a:extLst>
+          </p:cNvPr>
+          <p:cNvSpPr>
+            <a:spLocks noGrp="1"/>
+          </p:cNvSpPr>
+          <p:nvPr>
+            <p:ph type="title"/>
+          </p:nvPr>
+        </p:nvSpPr>
+        <p:spPr>
+          <a:xfrm>
+            <a:off x="305198" y="433880"/>
+            <a:ext cx="8532019" cy="641270"/>
+          </a:xfrm>
+        </p:spPr>
+        <p:txBody>
+          <a:bodyPr/>
+          <a:lstStyle/>
+          <a:p>
+            <a:r>
+              <a:rPr lang="en-IN" u="sng" dirty="0"/>
+              <a:t>Conditional Queries</a:t>
+            </a:r>
+          </a:p>
+        </p:txBody>
+      </p:sp>
+      <p:pic>
+        <p:nvPicPr>
+          <p:cNvPr id="5" name="Content Placeholder 4">
+            <a:extLst>
+              <a:ext uri="{FF2B5EF4-FFF2-40B4-BE49-F238E27FC236}">
+                <a16:creationId xmlns:a16="http://schemas.microsoft.com/office/drawing/2014/main" id="{9C2C880C-6B60-469F-B512-525697D4259D}"/>
+              </a:ext>
+            </a:extLst>
+          </p:cNvPr>
+          <p:cNvPicPr>
+            <a:picLocks noGrp="1" noChangeAspect="1"/>
+          </p:cNvPicPr>
+          <p:nvPr>
+            <p:ph idx="1"/>
+          </p:nvPr>
+        </p:nvPicPr>
+        <p:blipFill>
+          <a:blip r:embed="rId2">
+            <a:extLst>
+              <a:ext uri="{28A0092B-C50C-407E-A947-70E740481C1C}">
+                <a14:useLocalDpi xmlns:a14="http://schemas.microsoft.com/office/drawing/2010/main" val="0"/>
+              </a:ext>
+            </a:extLst>
+          </a:blip>
+          <a:stretch>
+            <a:fillRect/>
+          </a:stretch>
+        </p:blipFill>
+        <p:spPr>
+          <a:xfrm>
+            <a:off x="207356" y="1960930"/>
+            <a:ext cx="8694456" cy="2610772"/>
+          </a:xfrm>
+        </p:spPr>
+      </p:pic>
+      <p:sp>
+        <p:nvSpPr>
+          <p:cNvPr id="6" name="TextBox 5">
+            <a:extLst>
+              <a:ext uri="{FF2B5EF4-FFF2-40B4-BE49-F238E27FC236}">
+                <a16:creationId xmlns:a16="http://schemas.microsoft.com/office/drawing/2014/main" id="{85C1340F-A9BD-419B-B7CD-908310E525E5}"/>
+              </a:ext>
+            </a:extLst>
+          </p:cNvPr>
           <p:cNvSpPr txBox="1"/>
           <p:nvPr/>
         </p:nvSpPr>
         <p:spPr>
           <a:xfrm>
-            <a:off x="3350360" y="4556915"/>
-            <a:ext cx="1985165" cy="369332"/>
+            <a:off x="143555" y="1075150"/>
+            <a:ext cx="7635250" cy="646331"/>
           </a:xfrm>
           <a:prstGeom prst="rect">
             <a:avLst/>
@@ -6649,11 +6867,125 @@
           </a:bodyPr>
           <a:lstStyle/>
           <a:p>
-            <a:r>
-              <a:rPr lang="en-US" dirty="0" smtClean="0"/>
+            <a:pPr marL="285750" indent="-285750">
+              <a:buFont typeface="Arial" panose="020B0604020202020204" pitchFamily="34" charset="0"/>
+              <a:buChar char="•"/>
+            </a:pPr>
+            <a:r>
+              <a:rPr lang="en-IN" dirty="0"/>
+              <a:t>Finding Details of Restaurant which are cheaper and good Aggregate Rating</a:t>
+            </a:r>
+          </a:p>
+        </p:txBody>
+      </p:sp>
+    </p:spTree>
+    <p:extLst>
+      <p:ext uri="{BB962C8B-B14F-4D97-AF65-F5344CB8AC3E}">
+        <p14:creationId xmlns:p14="http://schemas.microsoft.com/office/powerpoint/2010/main" val="1285661619"/>
+      </p:ext>
+    </p:extLst>
+  </p:cSld>
+  <p:clrMapOvr>
+    <a:masterClrMapping/>
+  </p:clrMapOvr>
+</p:sld>
+</file>
+
+<file path=ppt/slides/slide17.xml><?xml version="1.0" encoding="utf-8"?>
+<p:sld xmlns:a="http://schemas.openxmlformats.org/drawingml/2006/main" xmlns:r="http://schemas.openxmlformats.org/officeDocument/2006/relationships" xmlns:p="http://schemas.openxmlformats.org/presentationml/2006/main">
+  <p:cSld>
+    <p:spTree>
+      <p:nvGrpSpPr>
+        <p:cNvPr id="1" name=""/>
+        <p:cNvGrpSpPr/>
+        <p:nvPr/>
+      </p:nvGrpSpPr>
+      <p:grpSpPr>
+        <a:xfrm>
+          <a:off x="0" y="0"/>
+          <a:ext cx="0" cy="0"/>
+          <a:chOff x="0" y="0"/>
+          <a:chExt cx="0" cy="0"/>
+        </a:xfrm>
+      </p:grpSpPr>
+      <p:sp>
+        <p:nvSpPr>
+          <p:cNvPr id="2" name="Title 1"/>
+          <p:cNvSpPr>
+            <a:spLocks noGrp="1"/>
+          </p:cNvSpPr>
+          <p:nvPr>
+            <p:ph type="title"/>
+          </p:nvPr>
+        </p:nvSpPr>
+        <p:spPr/>
+        <p:txBody>
+          <a:bodyPr/>
+          <a:lstStyle/>
+          <a:p>
+            <a:r>
+              <a:rPr lang="en-US" dirty="0"/>
+              <a:t>Results</a:t>
+            </a:r>
+          </a:p>
+        </p:txBody>
+      </p:sp>
+    </p:spTree>
+    <p:extLst>
+      <p:ext uri="{BB962C8B-B14F-4D97-AF65-F5344CB8AC3E}">
+        <p14:creationId xmlns:p14="http://schemas.microsoft.com/office/powerpoint/2010/main" val="650580293"/>
+      </p:ext>
+    </p:extLst>
+  </p:cSld>
+  <p:clrMapOvr>
+    <a:masterClrMapping/>
+  </p:clrMapOvr>
+</p:sld>
+</file>
+
+<file path=ppt/slides/slide18.xml><?xml version="1.0" encoding="utf-8"?>
+<p:sld xmlns:a="http://schemas.openxmlformats.org/drawingml/2006/main" xmlns:r="http://schemas.openxmlformats.org/officeDocument/2006/relationships" xmlns:p="http://schemas.openxmlformats.org/presentationml/2006/main">
+  <p:cSld>
+    <p:spTree>
+      <p:nvGrpSpPr>
+        <p:cNvPr id="1" name=""/>
+        <p:cNvGrpSpPr/>
+        <p:nvPr/>
+      </p:nvGrpSpPr>
+      <p:grpSpPr>
+        <a:xfrm>
+          <a:off x="0" y="0"/>
+          <a:ext cx="0" cy="0"/>
+          <a:chOff x="0" y="0"/>
+          <a:chExt cx="0" cy="0"/>
+        </a:xfrm>
+      </p:grpSpPr>
+      <p:sp>
+        <p:nvSpPr>
+          <p:cNvPr id="2" name="TextBox 1"/>
+          <p:cNvSpPr txBox="1"/>
+          <p:nvPr/>
+        </p:nvSpPr>
+        <p:spPr>
+          <a:xfrm>
+            <a:off x="3350360" y="4556915"/>
+            <a:ext cx="1985165" cy="369332"/>
+          </a:xfrm>
+          <a:prstGeom prst="rect">
+            <a:avLst/>
+          </a:prstGeom>
+          <a:noFill/>
+        </p:spPr>
+        <p:txBody>
+          <a:bodyPr wrap="square" rtlCol="0">
+            <a:spAutoFit/>
+          </a:bodyPr>
+          <a:lstStyle/>
+          <a:p>
+            <a:r>
+              <a:rPr lang="en-US" dirty="0"/>
               <a:t>Thank You</a:t>
             </a:r>
-            <a:endParaRPr lang="en-US" dirty="0"/>
           </a:p>
         </p:txBody>
       </p:sp>
@@ -6710,18 +7042,13 @@
           <a:lstStyle/>
           <a:p>
             <a:r>
-              <a:rPr lang="en-US" sz="5400" dirty="0" smtClean="0">
+              <a:rPr lang="en-US" sz="5400" dirty="0">
                 <a:solidFill>
                   <a:schemeClr val="bg1"/>
                 </a:solidFill>
               </a:rPr>
               <a:t>Thank You</a:t>
             </a:r>
-            <a:endParaRPr lang="en-US" sz="5400" dirty="0">
-              <a:solidFill>
-                <a:schemeClr val="bg1"/>
-              </a:solidFill>
-            </a:endParaRPr>
           </a:p>
         </p:txBody>
       </p:sp>
@@ -6777,11 +7104,11 @@
           </a:bodyPr>
           <a:lstStyle/>
           <a:p>
-            <a:r>
-              <a:rPr lang="en-US" sz="2800" dirty="0" smtClean="0"/>
+            <a:pPr algn="ctr"/>
+            <a:r>
+              <a:rPr lang="en-US" sz="2800" u="sng" dirty="0"/>
               <a:t>Table of Contents:</a:t>
             </a:r>
-            <a:endParaRPr lang="en-US" sz="2800" dirty="0"/>
           </a:p>
         </p:txBody>
       </p:sp>
@@ -6809,10 +7136,9 @@
               <a:buNone/>
             </a:pPr>
             <a:r>
-              <a:rPr lang="en-US" sz="1600" dirty="0" smtClean="0"/>
+              <a:rPr lang="en-US" sz="1600" dirty="0"/>
               <a:t>1.Introduction</a:t>
             </a:r>
-            <a:endParaRPr lang="en-US" sz="1600" dirty="0"/>
           </a:p>
           <a:p>
             <a:pPr marL="0" indent="0" algn="l">
@@ -6847,16 +7173,7 @@
             </a:pPr>
             <a:r>
               <a:rPr lang="en-US" sz="1600" dirty="0"/>
-              <a:t>          3.1     Schema Design</a:t>
-            </a:r>
-          </a:p>
-          <a:p>
-            <a:pPr marL="0" indent="0" algn="l">
-              <a:buNone/>
-            </a:pPr>
-            <a:r>
-              <a:rPr lang="en-US" sz="1600" dirty="0"/>
-              <a:t>          3.2     </a:t>
+              <a:t>          3.1     </a:t>
             </a:r>
             <a:r>
               <a:rPr lang="en-US" sz="1600" dirty="0" err="1"/>
@@ -6933,12 +7250,11 @@
           </a:bodyPr>
           <a:lstStyle/>
           <a:p>
-            <a:pPr algn="l"/>
-            <a:r>
-              <a:rPr lang="en-US" sz="3200" dirty="0" smtClean="0"/>
+            <a:pPr algn="ctr"/>
+            <a:r>
+              <a:rPr lang="en-US" sz="3200" u="sng" dirty="0"/>
               <a:t>Introduction</a:t>
             </a:r>
-            <a:endParaRPr lang="en-US" sz="3200" dirty="0"/>
           </a:p>
         </p:txBody>
       </p:sp>
@@ -6969,7 +7285,6 @@
               <a:rPr lang="en-US" sz="1600" dirty="0"/>
               <a:t>Started In- July 2008, Delhi NCR. </a:t>
             </a:r>
-            <a:endParaRPr lang="en-US" sz="1600" dirty="0" smtClean="0"/>
           </a:p>
           <a:p>
             <a:pPr algn="l"/>
@@ -6986,10 +7301,10 @@
               <a:t> Goyal, Pankaj </a:t>
             </a:r>
             <a:r>
-              <a:rPr lang="en-US" sz="1600" dirty="0" err="1" smtClean="0"/>
+              <a:rPr lang="en-US" sz="1600" dirty="0" err="1"/>
               <a:t>Chaddah</a:t>
             </a:r>
-            <a:endParaRPr lang="en-US" sz="1600" dirty="0" smtClean="0"/>
+            <a:endParaRPr lang="en-US" sz="1600" dirty="0"/>
           </a:p>
           <a:p>
             <a:pPr algn="l"/>
@@ -7002,7 +7317,7 @@
               <a:t>FoodieBay</a:t>
             </a:r>
             <a:r>
-              <a:rPr lang="en-US" sz="1600" dirty="0" smtClean="0"/>
+              <a:rPr lang="en-US" sz="1600" dirty="0"/>
               <a:t>”</a:t>
             </a:r>
           </a:p>
@@ -7010,17 +7325,8 @@
             <a:pPr algn="l"/>
             <a:r>
               <a:rPr lang="en-US" sz="1600" dirty="0"/>
-              <a:t>In November 2010 it was renamed </a:t>
-            </a:r>
-            <a:r>
-              <a:rPr lang="en-US" sz="1600" dirty="0" err="1"/>
-              <a:t>as“ZOMATO</a:t>
-            </a:r>
-            <a:r>
-              <a:rPr lang="en-US" sz="1600" dirty="0"/>
-              <a:t>” </a:t>
-            </a:r>
-            <a:endParaRPr lang="en-US" sz="1600" dirty="0" smtClean="0"/>
+              <a:t>In November 2010 it was renamed as “ZOMATO” </a:t>
+            </a:r>
           </a:p>
           <a:p>
             <a:pPr algn="l"/>
@@ -7033,21 +7339,8 @@
             <a:pPr algn="l"/>
             <a:r>
               <a:rPr lang="en-US" sz="1600" dirty="0"/>
-              <a:t>Sector - Food &amp; Restaurant </a:t>
-            </a:r>
-            <a:r>
-              <a:rPr lang="en-US" sz="1600" dirty="0" smtClean="0"/>
-              <a:t>guide and </a:t>
-            </a:r>
-            <a:r>
-              <a:rPr lang="en-US" sz="1600" dirty="0" err="1" smtClean="0"/>
-              <a:t>Delievery</a:t>
-            </a:r>
-            <a:r>
-              <a:rPr lang="en-US" sz="1600" dirty="0" smtClean="0"/>
-              <a:t> </a:t>
-            </a:r>
-            <a:endParaRPr lang="en-US" sz="1600" dirty="0"/>
+              <a:t>Sector - Food &amp; Restaurant guide and Delivery </a:t>
+            </a:r>
           </a:p>
           <a:p>
             <a:pPr algn="ctr"/>
@@ -7115,20 +7408,19 @@
           </a:bodyPr>
           <a:lstStyle/>
           <a:p>
-            <a:pPr algn="l"/>
-            <a:r>
-              <a:rPr lang="en-US" sz="3200" dirty="0" smtClean="0"/>
+            <a:pPr algn="ctr"/>
+            <a:r>
+              <a:rPr lang="en-US" sz="3200" u="sng" dirty="0"/>
               <a:t>Introduction </a:t>
             </a:r>
             <a:r>
-              <a:rPr lang="en-US" sz="3200" dirty="0" err="1" smtClean="0"/>
+              <a:rPr lang="en-US" sz="3200" u="sng" dirty="0" err="1"/>
               <a:t>Contd</a:t>
             </a:r>
             <a:r>
-              <a:rPr lang="en-US" sz="3200" dirty="0" smtClean="0"/>
+              <a:rPr lang="en-US" sz="3200" u="sng" dirty="0"/>
               <a:t>:</a:t>
             </a:r>
-            <a:endParaRPr lang="en-US" sz="3200" dirty="0"/>
           </a:p>
         </p:txBody>
       </p:sp>
@@ -7157,55 +7449,30 @@
             <a:pPr algn="l"/>
             <a:r>
               <a:rPr lang="en-US" sz="1600" dirty="0"/>
-              <a:t>Tagline/ Slogan - Discover great places to eat around </a:t>
-            </a:r>
-            <a:r>
-              <a:rPr lang="en-US" sz="1600" dirty="0" smtClean="0"/>
-              <a:t>you Using </a:t>
+              <a:t>Tagline/ Slogan - Discover great places to eat around you Using Awesome Backgrounds and get home delivered your </a:t>
+            </a:r>
+            <a:r>
+              <a:rPr lang="en-US" sz="1600" dirty="0" err="1"/>
+              <a:t>favourite</a:t>
             </a:r>
             <a:r>
               <a:rPr lang="en-US" sz="1600" dirty="0"/>
-              <a:t>Awesome </a:t>
-            </a:r>
-            <a:r>
-              <a:rPr lang="en-US" sz="1600" dirty="0" smtClean="0"/>
-              <a:t>Backgrounds and get home </a:t>
-            </a:r>
-            <a:r>
-              <a:rPr lang="en-US" sz="1600" dirty="0" smtClean="0"/>
-              <a:t>delivered </a:t>
-            </a:r>
-            <a:r>
-              <a:rPr lang="en-US" sz="1600" dirty="0" smtClean="0"/>
-              <a:t>your </a:t>
-            </a:r>
-            <a:r>
-              <a:rPr lang="en-US" sz="1600" dirty="0" err="1" smtClean="0"/>
-              <a:t>favourite</a:t>
-            </a:r>
-            <a:r>
-              <a:rPr lang="en-US" sz="1600" dirty="0" smtClean="0"/>
               <a:t> </a:t>
             </a:r>
             <a:r>
-              <a:rPr lang="en-US" sz="1600" dirty="0" err="1" smtClean="0"/>
+              <a:rPr lang="en-US" sz="1600" dirty="0" err="1"/>
               <a:t>savouries</a:t>
             </a:r>
             <a:r>
-              <a:rPr lang="en-US" sz="1600" dirty="0" smtClean="0"/>
+              <a:rPr lang="en-US" sz="1600" dirty="0"/>
               <a:t>.</a:t>
             </a:r>
-            <a:endParaRPr lang="en-US" sz="1600" dirty="0"/>
           </a:p>
           <a:p>
             <a:pPr algn="l"/>
             <a:r>
               <a:rPr lang="en-US" sz="1600" dirty="0"/>
-              <a:t>USP - Content is what sets Zomato apart – The restaurant &amp; nightlife guide with menus, pictures and map </a:t>
-            </a:r>
-            <a:r>
-              <a:rPr lang="en-US" sz="1600" dirty="0" smtClean="0"/>
-              <a:t>locations.</a:t>
+              <a:t>USP - Content is what sets Zomato apart – The restaurant &amp; nightlife guide with menus, pictures and map locations.</a:t>
             </a:r>
           </a:p>
           <a:p>
@@ -7269,16 +7536,15 @@
           </a:bodyPr>
           <a:lstStyle/>
           <a:p>
-            <a:pPr algn="l"/>
-            <a:r>
-              <a:rPr lang="en-US" sz="3200" dirty="0" smtClean="0"/>
-              <a:t>Mission And </a:t>
-            </a:r>
-            <a:r>
-              <a:rPr lang="en-US" sz="3200" dirty="0" smtClean="0"/>
-              <a:t>Vision:</a:t>
-            </a:r>
-            <a:endParaRPr lang="en-US" sz="3200" dirty="0"/>
+            <a:pPr algn="ctr"/>
+            <a:r>
+              <a:rPr lang="en-US" sz="3200" dirty="0"/>
+              <a:t>	</a:t>
+            </a:r>
+            <a:r>
+              <a:rPr lang="en-US" sz="3200" u="sng" dirty="0"/>
+              <a:t>Mission And Vision:</a:t>
+            </a:r>
           </a:p>
         </p:txBody>
       </p:sp>
@@ -7309,7 +7575,7 @@
               <a:buChar char="•"/>
             </a:pPr>
             <a:r>
-              <a:rPr lang="en-US" sz="2400" dirty="0" smtClean="0"/>
+              <a:rPr lang="en-US" dirty="0"/>
               <a:t>Mission</a:t>
             </a:r>
           </a:p>
@@ -7319,43 +7585,7 @@
             </a:pPr>
             <a:r>
               <a:rPr lang="en-US" sz="1600" dirty="0"/>
-              <a:t>Our mission is to ensure nobody has a bad meal </a:t>
-            </a:r>
-            <a:r>
-              <a:rPr lang="en-US" sz="1600" dirty="0" smtClean="0"/>
-              <a:t>.They </a:t>
-            </a:r>
-            <a:r>
-              <a:rPr lang="en-US" sz="1600" dirty="0"/>
-              <a:t>do this by – </a:t>
-            </a:r>
-            <a:r>
-              <a:rPr lang="en-US" sz="1600" dirty="0" smtClean="0"/>
-              <a:t> </a:t>
-            </a:r>
-            <a:r>
-              <a:rPr lang="en-US" sz="1600" dirty="0"/>
-              <a:t>Helping people discover great places around them </a:t>
-            </a:r>
-            <a:r>
-              <a:rPr lang="en-US" sz="1600" dirty="0" smtClean="0"/>
-              <a:t>, building </a:t>
-            </a:r>
-            <a:r>
-              <a:rPr lang="en-US" sz="1600" dirty="0"/>
-              <a:t>amazing experiences around dining </a:t>
-            </a:r>
-            <a:r>
-              <a:rPr lang="en-US" sz="1600" dirty="0" smtClean="0"/>
-              <a:t>, </a:t>
-            </a:r>
-            <a:r>
-              <a:rPr lang="en-US" sz="1600" dirty="0"/>
-              <a:t>Enabling restaurants to create amazing experiences </a:t>
-            </a:r>
-            <a:r>
-              <a:rPr lang="en-US" sz="1600" dirty="0" smtClean="0"/>
-              <a:t>.</a:t>
+              <a:t>Our mission is to ensure nobody has a bad meal .They do this by –  Helping people discover great places around them , building amazing experiences around dining , Enabling restaurants to create amazing experiences .</a:t>
             </a:r>
           </a:p>
           <a:p>
@@ -7370,7 +7600,7 @@
               <a:buChar char="•"/>
             </a:pPr>
             <a:r>
-              <a:rPr lang="en-US" dirty="0" smtClean="0"/>
+              <a:rPr lang="en-US" dirty="0"/>
               <a:t>Vision</a:t>
             </a:r>
           </a:p>
@@ -7380,13 +7610,8 @@
             </a:pPr>
             <a:r>
               <a:rPr lang="en-US" sz="1600" dirty="0"/>
-              <a:t>Z</a:t>
-            </a:r>
-            <a:r>
-              <a:rPr lang="en-US" sz="1600" dirty="0" smtClean="0"/>
-              <a:t>omato is used by millions every day to decide where to eat in over 10,000 cities across 23 countries. In a few years, we should be able help point you to a great place to eat no matter what part of the world you're in. </a:t>
-            </a:r>
-            <a:endParaRPr lang="en-US" sz="1600" dirty="0"/>
+              <a:t>Zomato is used by millions every day to decide where to eat in over 10,000 cities across 23 countries. In a few years, we should be able help point you to a great place to eat no matter what part of the world you're in. </a:t>
+            </a:r>
           </a:p>
         </p:txBody>
       </p:sp>
@@ -7437,10 +7662,9 @@
           <a:p>
             <a:pPr algn="ctr"/>
             <a:r>
-              <a:rPr lang="en-US" dirty="0" smtClean="0"/>
+              <a:rPr lang="en-US" u="sng" dirty="0"/>
               <a:t>Core Competency</a:t>
             </a:r>
-            <a:endParaRPr lang="en-US" dirty="0"/>
           </a:p>
         </p:txBody>
       </p:sp>
@@ -7460,10 +7684,9 @@
           <a:lstStyle/>
           <a:p>
             <a:r>
-              <a:rPr lang="en-US" dirty="0" smtClean="0"/>
+              <a:rPr lang="en-US" dirty="0"/>
               <a:t>Key Resources</a:t>
             </a:r>
-            <a:endParaRPr lang="en-US" dirty="0"/>
           </a:p>
         </p:txBody>
       </p:sp>
@@ -7490,23 +7713,22 @@
           <a:lstStyle/>
           <a:p>
             <a:r>
-              <a:rPr lang="en-US" dirty="0" smtClean="0"/>
+              <a:rPr lang="en-US" dirty="0"/>
               <a:t>     App/Website Platform</a:t>
             </a:r>
-            <a:endParaRPr lang="en-US" dirty="0"/>
           </a:p>
           <a:p>
             <a:pPr marL="0" indent="0">
               <a:buNone/>
             </a:pPr>
-            <a:endParaRPr lang="en-US" dirty="0" smtClean="0"/>
+            <a:endParaRPr lang="en-US" dirty="0"/>
           </a:p>
           <a:p>
             <a:pPr marL="0" indent="0">
               <a:buNone/>
             </a:pPr>
             <a:r>
-              <a:rPr lang="en-US" dirty="0" smtClean="0"/>
+              <a:rPr lang="en-US" dirty="0"/>
               <a:t>Customer Service</a:t>
             </a:r>
           </a:p>
@@ -7515,7 +7737,7 @@
               <a:buNone/>
             </a:pPr>
             <a:r>
-              <a:rPr lang="en-US" dirty="0" smtClean="0"/>
+              <a:rPr lang="en-US" dirty="0"/>
               <a:t>    </a:t>
             </a:r>
           </a:p>
@@ -7525,13 +7747,8 @@
             </a:pPr>
             <a:r>
               <a:rPr lang="en-US" dirty="0"/>
-              <a:t> </a:t>
-            </a:r>
-            <a:r>
-              <a:rPr lang="en-US" dirty="0" smtClean="0"/>
-              <a:t>       User and restaurant Database</a:t>
-            </a:r>
-            <a:endParaRPr lang="en-US" dirty="0"/>
+              <a:t>        User and restaurant Database</a:t>
+            </a:r>
           </a:p>
         </p:txBody>
       </p:sp>
@@ -7551,10 +7768,9 @@
           <a:lstStyle/>
           <a:p>
             <a:r>
-              <a:rPr lang="en-US" dirty="0" smtClean="0"/>
+              <a:rPr lang="en-US" dirty="0"/>
               <a:t>Key Activities</a:t>
             </a:r>
-            <a:endParaRPr lang="en-US" dirty="0"/>
           </a:p>
         </p:txBody>
       </p:sp>
@@ -7581,10 +7797,9 @@
           <a:lstStyle/>
           <a:p>
             <a:r>
-              <a:rPr lang="en-US" dirty="0" smtClean="0"/>
+              <a:rPr lang="en-US" dirty="0"/>
               <a:t>Restaurant Advertising</a:t>
             </a:r>
-            <a:endParaRPr lang="en-US" dirty="0"/>
           </a:p>
           <a:p>
             <a:pPr marL="0" indent="0">
@@ -7597,23 +7812,21 @@
               <a:buNone/>
             </a:pPr>
             <a:r>
-              <a:rPr lang="en-US" dirty="0" smtClean="0"/>
+              <a:rPr lang="en-US" dirty="0"/>
               <a:t>Field teams</a:t>
             </a:r>
+          </a:p>
+          <a:p>
             <a:endParaRPr lang="en-US" dirty="0"/>
-          </a:p>
-          <a:p>
-            <a:endParaRPr lang="en-US" dirty="0" smtClean="0"/>
           </a:p>
           <a:p>
             <a:pPr marL="0" indent="0">
               <a:buNone/>
             </a:pPr>
             <a:r>
-              <a:rPr lang="en-US" dirty="0" smtClean="0"/>
+              <a:rPr lang="en-US" dirty="0"/>
               <a:t>Data Analysis</a:t>
             </a:r>
-            <a:endParaRPr lang="en-US" dirty="0"/>
           </a:p>
         </p:txBody>
       </p:sp>
@@ -7839,8 +8052,36 @@
         </p:nvSpPr>
         <p:spPr>
           <a:xfrm>
-            <a:off x="448965" y="891995"/>
+            <a:off x="492921" y="891995"/>
             <a:ext cx="8246071" cy="763525"/>
+          </a:xfrm>
+        </p:spPr>
+        <p:txBody>
+          <a:bodyPr/>
+          <a:lstStyle/>
+          <a:p>
+            <a:pPr algn="ctr"/>
+            <a:r>
+              <a:rPr lang="en-US" u="sng" dirty="0"/>
+              <a:t>Tools and Softwares</a:t>
+            </a:r>
+          </a:p>
+        </p:txBody>
+      </p:sp>
+      <p:sp>
+        <p:nvSpPr>
+          <p:cNvPr id="4" name="Content Placeholder 3"/>
+          <p:cNvSpPr>
+            <a:spLocks noGrp="1"/>
+          </p:cNvSpPr>
+          <p:nvPr>
+            <p:ph sz="half" idx="2"/>
+          </p:nvPr>
+        </p:nvSpPr>
+        <p:spPr>
+          <a:xfrm>
+            <a:off x="536879" y="2266340"/>
+            <a:ext cx="8158156" cy="2137871"/>
           </a:xfrm>
         </p:spPr>
         <p:txBody>
@@ -7849,92 +8090,52 @@
           </a:bodyPr>
           <a:lstStyle/>
           <a:p>
-            <a:pPr algn="ctr"/>
-            <a:r>
-              <a:rPr lang="en-US" sz="3200" dirty="0" smtClean="0"/>
-              <a:t>Schema Design</a:t>
-            </a:r>
-            <a:endParaRPr lang="en-US" sz="3200" dirty="0"/>
-          </a:p>
-        </p:txBody>
-      </p:sp>
-      <p:sp>
-        <p:nvSpPr>
-          <p:cNvPr id="4" name="Content Placeholder 3"/>
-          <p:cNvSpPr>
-            <a:spLocks noGrp="1"/>
-          </p:cNvSpPr>
-          <p:nvPr>
-            <p:ph sz="half" idx="2"/>
-          </p:nvPr>
-        </p:nvSpPr>
-        <p:spPr>
-          <a:xfrm>
-            <a:off x="483258" y="2419045"/>
-            <a:ext cx="8463566" cy="1832460"/>
-          </a:xfrm>
-        </p:spPr>
-        <p:txBody>
-          <a:bodyPr>
-            <a:normAutofit/>
-          </a:bodyPr>
-          <a:lstStyle/>
-          <a:p>
-            <a:pPr algn="l">
-              <a:buFont typeface="Arial" panose="020B0604020202020204" pitchFamily="34" charset="0"/>
-              <a:buChar char="•"/>
+            <a:pPr algn="l"/>
+            <a:r>
+              <a:rPr lang="en-US" sz="1600" dirty="0"/>
+              <a:t>Since dataset is quite large  we are opting Databricks Community and PowerBI for Analysis.</a:t>
+            </a:r>
+          </a:p>
+          <a:p>
+            <a:pPr marL="0" indent="0" algn="l">
+              <a:buNone/>
             </a:pPr>
-            <a:r>
-              <a:rPr lang="en-US" sz="1600" dirty="0" smtClean="0"/>
-              <a:t>The schema related to data is made.</a:t>
-            </a:r>
-          </a:p>
-          <a:p>
-            <a:pPr algn="l">
-              <a:buFont typeface="Arial" panose="020B0604020202020204" pitchFamily="34" charset="0"/>
-              <a:buChar char="•"/>
+            <a:endParaRPr lang="en-US" sz="1600" dirty="0"/>
+          </a:p>
+          <a:p>
+            <a:pPr algn="l"/>
+            <a:r>
+              <a:rPr lang="en-US" sz="1600" dirty="0"/>
+              <a:t>First dataset is validated and transferred to Community edition of </a:t>
+            </a:r>
+            <a:r>
+              <a:rPr lang="en-US" sz="1600" dirty="0" err="1"/>
+              <a:t>databricks</a:t>
+            </a:r>
+            <a:r>
+              <a:rPr lang="en-US" sz="1600" dirty="0"/>
+              <a:t> so that analysis can be made.</a:t>
+            </a:r>
+          </a:p>
+          <a:p>
+            <a:pPr marL="0" indent="0" algn="l">
+              <a:buNone/>
             </a:pPr>
-            <a:r>
-              <a:rPr lang="en-US" sz="1600" dirty="0" smtClean="0"/>
-              <a:t>Fields are distributed to constitute different dim tables and finally a fact table.</a:t>
-            </a:r>
-          </a:p>
-          <a:p>
-            <a:pPr algn="l">
-              <a:buFont typeface="Arial" panose="020B0604020202020204" pitchFamily="34" charset="0"/>
-              <a:buChar char="•"/>
-            </a:pPr>
-            <a:r>
-              <a:rPr lang="en-US" sz="1600" dirty="0" smtClean="0"/>
-              <a:t>Dim tables are made so that search can be made faster and easier based on different types of </a:t>
-            </a:r>
-            <a:r>
-              <a:rPr lang="en-US" sz="1600" dirty="0" smtClean="0"/>
-              <a:t>queries</a:t>
-            </a:r>
-            <a:r>
-              <a:rPr lang="en-US" sz="1600" dirty="0" smtClean="0"/>
-              <a:t>.</a:t>
-            </a:r>
+            <a:endParaRPr lang="en-US" sz="1600" dirty="0"/>
           </a:p>
           <a:p>
             <a:pPr algn="l"/>
-            <a:endParaRPr lang="en-US" dirty="0" smtClean="0"/>
-          </a:p>
-          <a:p>
-            <a:pPr algn="l"/>
-            <a:endParaRPr lang="en-US" dirty="0"/>
-          </a:p>
-          <a:p>
-            <a:pPr algn="l"/>
-            <a:endParaRPr lang="en-US" dirty="0" smtClean="0"/>
+            <a:r>
+              <a:rPr lang="en-US" sz="1600" dirty="0"/>
+              <a:t>Backup is kept so that if we lose data we can easily retrieve it back.</a:t>
+            </a:r>
           </a:p>
         </p:txBody>
       </p:sp>
     </p:spTree>
     <p:extLst>
       <p:ext uri="{BB962C8B-B14F-4D97-AF65-F5344CB8AC3E}">
-        <p14:creationId xmlns:p14="http://schemas.microsoft.com/office/powerpoint/2010/main" val="2451877775"/>
+        <p14:creationId xmlns:p14="http://schemas.microsoft.com/office/powerpoint/2010/main" val="3876510311"/>
       </p:ext>
     </p:extLst>
   </p:cSld>
@@ -7971,43 +8172,33 @@
             <p:ph type="title"/>
           </p:nvPr>
         </p:nvSpPr>
-        <p:spPr>
-          <a:xfrm>
-            <a:off x="492921" y="891995"/>
-            <a:ext cx="8246071" cy="763525"/>
-          </a:xfrm>
-        </p:spPr>
+        <p:spPr/>
         <p:txBody>
           <a:bodyPr/>
           <a:lstStyle/>
           <a:p>
             <a:pPr algn="ctr"/>
             <a:r>
-              <a:rPr lang="en-US" dirty="0" smtClean="0"/>
-              <a:t>Tools and </a:t>
-            </a:r>
-            <a:r>
-              <a:rPr lang="en-US" dirty="0" err="1" smtClean="0"/>
-              <a:t>Softwares</a:t>
-            </a:r>
-            <a:endParaRPr lang="en-US" dirty="0"/>
-          </a:p>
-        </p:txBody>
-      </p:sp>
-      <p:sp>
-        <p:nvSpPr>
-          <p:cNvPr id="4" name="Content Placeholder 3"/>
-          <p:cNvSpPr>
-            <a:spLocks noGrp="1"/>
-          </p:cNvSpPr>
-          <p:nvPr>
-            <p:ph sz="half" idx="2"/>
-          </p:nvPr>
-        </p:nvSpPr>
-        <p:spPr>
-          <a:xfrm>
-            <a:off x="536879" y="2266340"/>
-            <a:ext cx="8158156" cy="2137871"/>
+              <a:rPr lang="en-US" u="sng" dirty="0"/>
+              <a:t>Zomato Dataset:</a:t>
+            </a:r>
+          </a:p>
+        </p:txBody>
+      </p:sp>
+      <p:sp>
+        <p:nvSpPr>
+          <p:cNvPr id="3" name="Content Placeholder 2"/>
+          <p:cNvSpPr>
+            <a:spLocks noGrp="1"/>
+          </p:cNvSpPr>
+          <p:nvPr>
+            <p:ph idx="1"/>
+          </p:nvPr>
+        </p:nvSpPr>
+        <p:spPr>
+          <a:xfrm>
+            <a:off x="199610" y="1502815"/>
+            <a:ext cx="8495426" cy="3206799"/>
           </a:xfrm>
         </p:spPr>
         <p:txBody>
@@ -8017,44 +8208,96 @@
           <a:lstStyle/>
           <a:p>
             <a:pPr algn="l"/>
-            <a:r>
-              <a:rPr lang="en-US" sz="1400" dirty="0" smtClean="0"/>
-              <a:t>Since dataset is quite large  we are opting </a:t>
-            </a:r>
-            <a:r>
-              <a:rPr lang="en-US" sz="1400" dirty="0" smtClean="0"/>
-              <a:t>Databricks Community and PowerBI for Analysis</a:t>
-            </a:r>
-            <a:r>
-              <a:rPr lang="en-US" sz="1400" dirty="0" smtClean="0"/>
-              <a:t>.</a:t>
-            </a:r>
-            <a:endParaRPr lang="en-US" sz="1400" dirty="0" smtClean="0"/>
+            <a:endParaRPr lang="en-US" sz="1600" dirty="0"/>
           </a:p>
           <a:p>
             <a:pPr algn="l"/>
-            <a:r>
-              <a:rPr lang="en-US" sz="1400" dirty="0" smtClean="0"/>
-              <a:t>First dataset is validated and transferred to hive so that analysis can be made.</a:t>
-            </a:r>
+            <a:endParaRPr lang="en-US" sz="1600" dirty="0"/>
           </a:p>
           <a:p>
             <a:pPr algn="l"/>
             <a:r>
-              <a:rPr lang="en-US" sz="1400" dirty="0" smtClean="0"/>
-              <a:t>Backup is kept so that if we lose data we can easily retrieve it </a:t>
-            </a:r>
-            <a:r>
-              <a:rPr lang="en-US" sz="1400" dirty="0" smtClean="0"/>
-              <a:t>back.</a:t>
-            </a:r>
-          </a:p>
-        </p:txBody>
-      </p:sp>
+              <a:rPr lang="en-US" sz="1600" dirty="0"/>
+              <a:t>Total 15 columns </a:t>
+            </a:r>
+          </a:p>
+          <a:p>
+            <a:pPr algn="l"/>
+            <a:r>
+              <a:rPr lang="en-US" sz="1600" dirty="0"/>
+              <a:t>Sample Dataset is like-</a:t>
+            </a:r>
+          </a:p>
+          <a:p>
+            <a:pPr algn="l"/>
+            <a:endParaRPr lang="en-US" sz="1600" dirty="0"/>
+          </a:p>
+        </p:txBody>
+      </p:sp>
+      <p:pic>
+        <p:nvPicPr>
+          <p:cNvPr id="4" name="Picture 3"/>
+          <p:cNvPicPr>
+            <a:picLocks noChangeAspect="1"/>
+          </p:cNvPicPr>
+          <p:nvPr/>
+        </p:nvPicPr>
+        <p:blipFill>
+          <a:blip r:embed="rId2">
+            <a:extLst>
+              <a:ext uri="{28A0092B-C50C-407E-A947-70E740481C1C}">
+                <a14:useLocalDpi xmlns:a14="http://schemas.microsoft.com/office/drawing/2010/main" val="0"/>
+              </a:ext>
+            </a:extLst>
+          </a:blip>
+          <a:stretch>
+            <a:fillRect/>
+          </a:stretch>
+        </p:blipFill>
+        <p:spPr>
+          <a:xfrm>
+            <a:off x="7167985" y="1572183"/>
+            <a:ext cx="1374345" cy="2957236"/>
+          </a:xfrm>
+          <a:prstGeom prst="rect">
+            <a:avLst/>
+          </a:prstGeom>
+        </p:spPr>
+      </p:pic>
+      <p:pic>
+        <p:nvPicPr>
+          <p:cNvPr id="5" name="Picture 4"/>
+          <p:cNvPicPr>
+            <a:picLocks noChangeAspect="1"/>
+          </p:cNvPicPr>
+          <p:nvPr/>
+        </p:nvPicPr>
+        <p:blipFill>
+          <a:blip r:embed="rId3">
+            <a:extLst>
+              <a:ext uri="{28A0092B-C50C-407E-A947-70E740481C1C}">
+                <a14:useLocalDpi xmlns:a14="http://schemas.microsoft.com/office/drawing/2010/main" val="0"/>
+              </a:ext>
+            </a:extLst>
+          </a:blip>
+          <a:stretch>
+            <a:fillRect/>
+          </a:stretch>
+        </p:blipFill>
+        <p:spPr>
+          <a:xfrm>
+            <a:off x="240169" y="2877160"/>
+            <a:ext cx="6775110" cy="1374345"/>
+          </a:xfrm>
+          <a:prstGeom prst="rect">
+            <a:avLst/>
+          </a:prstGeom>
+        </p:spPr>
+      </p:pic>
     </p:spTree>
     <p:extLst>
       <p:ext uri="{BB962C8B-B14F-4D97-AF65-F5344CB8AC3E}">
-        <p14:creationId xmlns:p14="http://schemas.microsoft.com/office/powerpoint/2010/main" val="3876510311"/>
+        <p14:creationId xmlns:p14="http://schemas.microsoft.com/office/powerpoint/2010/main" val="3223894729"/>
       </p:ext>
     </p:extLst>
   </p:cSld>
@@ -8091,133 +8334,225 @@
             <p:ph type="title"/>
           </p:nvPr>
         </p:nvSpPr>
-        <p:spPr/>
-        <p:txBody>
-          <a:bodyPr/>
-          <a:lstStyle/>
-          <a:p>
-            <a:pPr algn="ctr"/>
-            <a:r>
-              <a:rPr lang="en-US" dirty="0" smtClean="0"/>
-              <a:t>Zomato Dataset:</a:t>
-            </a:r>
-            <a:endParaRPr lang="en-US" dirty="0"/>
-          </a:p>
-        </p:txBody>
-      </p:sp>
-      <p:sp>
-        <p:nvSpPr>
-          <p:cNvPr id="3" name="Content Placeholder 2"/>
-          <p:cNvSpPr>
-            <a:spLocks noGrp="1"/>
-          </p:cNvSpPr>
-          <p:nvPr>
-            <p:ph idx="1"/>
-          </p:nvPr>
-        </p:nvSpPr>
-        <p:spPr>
-          <a:xfrm>
-            <a:off x="199610" y="1502815"/>
-            <a:ext cx="8495426" cy="3206799"/>
+        <p:spPr>
+          <a:xfrm>
+            <a:off x="1062518" y="586585"/>
+            <a:ext cx="6260905" cy="763525"/>
           </a:xfrm>
         </p:spPr>
         <p:txBody>
           <a:bodyPr>
-            <a:normAutofit/>
+            <a:normAutofit fontScale="90000"/>
           </a:bodyPr>
           <a:lstStyle/>
           <a:p>
-            <a:pPr algn="l"/>
-            <a:endParaRPr lang="en-US" sz="1600" dirty="0" smtClean="0"/>
-          </a:p>
-          <a:p>
-            <a:pPr algn="l"/>
-            <a:endParaRPr lang="en-US" sz="1600" dirty="0"/>
-          </a:p>
-          <a:p>
-            <a:pPr algn="l"/>
-            <a:r>
-              <a:rPr lang="en-US" sz="1600" dirty="0" smtClean="0"/>
-              <a:t>Total 15 columns </a:t>
-            </a:r>
-          </a:p>
-          <a:p>
-            <a:pPr algn="l"/>
-            <a:r>
-              <a:rPr lang="en-US" sz="1600" dirty="0" smtClean="0"/>
-              <a:t>Sample Dataset is like-</a:t>
-            </a:r>
-          </a:p>
-          <a:p>
-            <a:pPr algn="l"/>
-            <a:endParaRPr lang="en-US" sz="1600" dirty="0"/>
-          </a:p>
-        </p:txBody>
-      </p:sp>
-      <p:pic>
-        <p:nvPicPr>
-          <p:cNvPr id="4" name="Picture 3"/>
-          <p:cNvPicPr>
-            <a:picLocks noChangeAspect="1"/>
-          </p:cNvPicPr>
+            <a:pPr algn="ctr"/>
+            <a:r>
+              <a:rPr lang="en-US" sz="3200" u="sng" dirty="0"/>
+              <a:t>Fields Present in data</a:t>
+            </a:r>
+            <a:br>
+              <a:rPr lang="en-US" sz="3200" dirty="0"/>
+            </a:br>
+            <a:endParaRPr lang="en-US" sz="3200" dirty="0"/>
+          </a:p>
+        </p:txBody>
+      </p:sp>
+      <p:sp>
+        <p:nvSpPr>
+          <p:cNvPr id="8" name="TextBox 7"/>
+          <p:cNvSpPr txBox="1"/>
           <p:nvPr/>
-        </p:nvPicPr>
-        <p:blipFill>
-          <a:blip r:embed="rId2">
-            <a:extLst>
-              <a:ext uri="{28A0092B-C50C-407E-A947-70E740481C1C}">
-                <a14:useLocalDpi xmlns:a14="http://schemas.microsoft.com/office/drawing/2010/main" val="0"/>
-              </a:ext>
-            </a:extLst>
-          </a:blip>
-          <a:stretch>
-            <a:fillRect/>
-          </a:stretch>
-        </p:blipFill>
-        <p:spPr>
-          <a:xfrm>
-            <a:off x="7167985" y="1572183"/>
-            <a:ext cx="1374345" cy="2957236"/>
+        </p:nvSpPr>
+        <p:spPr>
+          <a:xfrm>
+            <a:off x="296260" y="1808225"/>
+            <a:ext cx="7020075" cy="3262432"/>
           </a:xfrm>
           <a:prstGeom prst="rect">
             <a:avLst/>
           </a:prstGeom>
-        </p:spPr>
-      </p:pic>
-      <p:pic>
-        <p:nvPicPr>
-          <p:cNvPr id="5" name="Picture 4"/>
-          <p:cNvPicPr>
-            <a:picLocks noChangeAspect="1"/>
-          </p:cNvPicPr>
-          <p:nvPr/>
-        </p:nvPicPr>
-        <p:blipFill>
-          <a:blip r:embed="rId3">
-            <a:extLst>
-              <a:ext uri="{28A0092B-C50C-407E-A947-70E740481C1C}">
-                <a14:useLocalDpi xmlns:a14="http://schemas.microsoft.com/office/drawing/2010/main" val="0"/>
-              </a:ext>
-            </a:extLst>
-          </a:blip>
-          <a:stretch>
-            <a:fillRect/>
-          </a:stretch>
-        </p:blipFill>
-        <p:spPr>
-          <a:xfrm>
-            <a:off x="240169" y="2877160"/>
-            <a:ext cx="6775110" cy="1374345"/>
-          </a:xfrm>
-          <a:prstGeom prst="rect">
-            <a:avLst/>
-          </a:prstGeom>
-        </p:spPr>
-      </p:pic>
+          <a:noFill/>
+        </p:spPr>
+        <p:txBody>
+          <a:bodyPr wrap="square" rtlCol="0">
+            <a:spAutoFit/>
+          </a:bodyPr>
+          <a:lstStyle/>
+          <a:p>
+            <a:pPr fontAlgn="base"/>
+            <a:r>
+              <a:rPr lang="en-US" sz="1200" b="1" dirty="0"/>
+              <a:t>Restaurant ID   </a:t>
+            </a:r>
+            <a:r>
+              <a:rPr lang="en-US" sz="1200" dirty="0"/>
+              <a:t>- 	Identification Number</a:t>
+            </a:r>
+          </a:p>
+          <a:p>
+            <a:pPr fontAlgn="base"/>
+            <a:r>
+              <a:rPr lang="en-US" sz="1200" b="1" dirty="0"/>
+              <a:t>Restaurant Name </a:t>
+            </a:r>
+            <a:r>
+              <a:rPr lang="en-US" sz="1200" dirty="0"/>
+              <a:t>-    Name Of the Restaurant</a:t>
+            </a:r>
+          </a:p>
+          <a:p>
+            <a:pPr fontAlgn="base"/>
+            <a:r>
+              <a:rPr lang="en-US" sz="1200" b="1" dirty="0"/>
+              <a:t>Country Code  </a:t>
+            </a:r>
+            <a:r>
+              <a:rPr lang="en-US" sz="1200" dirty="0"/>
+              <a:t>-          Country Identification Number</a:t>
+            </a:r>
+          </a:p>
+          <a:p>
+            <a:pPr fontAlgn="base"/>
+            <a:r>
+              <a:rPr lang="en-US" sz="1200" b="1" dirty="0"/>
+              <a:t>City</a:t>
+            </a:r>
+            <a:r>
+              <a:rPr lang="en-US" sz="1200" dirty="0"/>
+              <a:t>  -  		 City Name of the Restaurant</a:t>
+            </a:r>
+          </a:p>
+          <a:p>
+            <a:pPr fontAlgn="base"/>
+            <a:r>
+              <a:rPr lang="en-US" sz="1200" b="1" dirty="0"/>
+              <a:t>Address</a:t>
+            </a:r>
+            <a:r>
+              <a:rPr lang="en-US" sz="1200" dirty="0"/>
+              <a:t> -  	 Restaurant Detailed Address</a:t>
+            </a:r>
+          </a:p>
+          <a:p>
+            <a:pPr fontAlgn="base"/>
+            <a:r>
+              <a:rPr lang="en-US" sz="1200" b="1" dirty="0"/>
+              <a:t>Cuisines</a:t>
+            </a:r>
+            <a:r>
+              <a:rPr lang="en-US" sz="1200" dirty="0"/>
+              <a:t>   -  	 Types Of Cuisines Served</a:t>
+            </a:r>
+          </a:p>
+          <a:p>
+            <a:pPr fontAlgn="base"/>
+            <a:r>
+              <a:rPr lang="en-US" sz="1200" b="1" dirty="0"/>
+              <a:t>Average Cost for two</a:t>
+            </a:r>
+            <a:r>
+              <a:rPr lang="en-US" sz="1200" dirty="0"/>
+              <a:t> - Average Cost if two people visit the Restaurant</a:t>
+            </a:r>
+          </a:p>
+          <a:p>
+            <a:pPr fontAlgn="base"/>
+            <a:r>
+              <a:rPr lang="en-US" sz="1200" b="1" dirty="0"/>
+              <a:t>Currency</a:t>
+            </a:r>
+            <a:r>
+              <a:rPr lang="en-US" sz="1200" dirty="0"/>
+              <a:t>    </a:t>
+            </a:r>
+          </a:p>
+          <a:p>
+            <a:pPr fontAlgn="base"/>
+            <a:r>
+              <a:rPr lang="en-US" sz="1200" b="1" dirty="0"/>
+              <a:t>Has Table booking   </a:t>
+            </a:r>
+            <a:r>
+              <a:rPr lang="en-US" sz="1200" dirty="0"/>
+              <a:t>-   Can we book tables in Restaurant? Yes/No</a:t>
+            </a:r>
+          </a:p>
+          <a:p>
+            <a:pPr fontAlgn="base"/>
+            <a:r>
+              <a:rPr lang="en-US" sz="1200" b="1" dirty="0"/>
+              <a:t>Has Online delivery </a:t>
+            </a:r>
+            <a:r>
+              <a:rPr lang="en-US" sz="1200" dirty="0"/>
+              <a:t>-   Can we have online delivery ? Yes/No</a:t>
+            </a:r>
+          </a:p>
+          <a:p>
+            <a:pPr fontAlgn="base"/>
+            <a:r>
+              <a:rPr lang="en-US" sz="1200" b="1" dirty="0"/>
+              <a:t>Is delivering now    </a:t>
+            </a:r>
+            <a:r>
+              <a:rPr lang="en-US" sz="1200" dirty="0"/>
+              <a:t>-   Is the Restaurant delivering food now? Yes/No</a:t>
+            </a:r>
+          </a:p>
+          <a:p>
+            <a:pPr fontAlgn="base"/>
+            <a:r>
+              <a:rPr lang="en-US" sz="1200" b="1" dirty="0"/>
+              <a:t>Price range   </a:t>
+            </a:r>
+            <a:r>
+              <a:rPr lang="en-US" sz="1200" dirty="0"/>
+              <a:t>-             Categorized price between (1 -4)</a:t>
+            </a:r>
+          </a:p>
+          <a:p>
+            <a:pPr fontAlgn="base"/>
+            <a:r>
+              <a:rPr lang="en-US" sz="1200" b="1" dirty="0"/>
+              <a:t>Aggregate rating   </a:t>
+            </a:r>
+            <a:r>
+              <a:rPr lang="en-US" sz="1200" dirty="0"/>
+              <a:t>-    Categorizing ratings between (1-5)</a:t>
+            </a:r>
+          </a:p>
+          <a:p>
+            <a:pPr fontAlgn="base"/>
+            <a:r>
+              <a:rPr lang="en-US" sz="1200" b="1" dirty="0"/>
+              <a:t>Rating text    </a:t>
+            </a:r>
+            <a:r>
+              <a:rPr lang="en-US" sz="1200" dirty="0"/>
+              <a:t>-   	  Different Rating like Excellent, Very Good ,Good, Avg., Poor, 		   Not Rated</a:t>
+            </a:r>
+          </a:p>
+          <a:p>
+            <a:pPr fontAlgn="base"/>
+            <a:r>
+              <a:rPr lang="en-US" sz="1200" b="1" dirty="0"/>
+              <a:t>Votes</a:t>
+            </a:r>
+            <a:r>
+              <a:rPr lang="en-US" sz="1200" dirty="0"/>
+              <a:t>    -    	  No. Of  Votes received by restaurant from customers.</a:t>
+            </a:r>
+          </a:p>
+          <a:p>
+            <a:endParaRPr lang="en-US" sz="1400" dirty="0"/>
+          </a:p>
+        </p:txBody>
+      </p:sp>
     </p:spTree>
     <p:extLst>
       <p:ext uri="{BB962C8B-B14F-4D97-AF65-F5344CB8AC3E}">
-        <p14:creationId xmlns:p14="http://schemas.microsoft.com/office/powerpoint/2010/main" val="3223894729"/>
+        <p14:creationId xmlns:p14="http://schemas.microsoft.com/office/powerpoint/2010/main" val="151956068"/>
       </p:ext>
     </p:extLst>
   </p:cSld>

--- a/projectzomato (3).pptx
+++ b/projectzomato (3).pptx
@@ -6,7 +6,7 @@
     <p:sldMasterId id="2147483671" r:id="rId2"/>
   </p:sldMasterIdLst>
   <p:notesMasterIdLst>
-    <p:notesMasterId r:id="rId21"/>
+    <p:notesMasterId r:id="rId23"/>
   </p:notesMasterIdLst>
   <p:sldIdLst>
     <p:sldId id="270" r:id="rId3"/>
@@ -21,12 +21,14 @@
     <p:sldId id="269" r:id="rId12"/>
     <p:sldId id="272" r:id="rId13"/>
     <p:sldId id="273" r:id="rId14"/>
-    <p:sldId id="277" r:id="rId15"/>
-    <p:sldId id="274" r:id="rId16"/>
-    <p:sldId id="275" r:id="rId17"/>
-    <p:sldId id="276" r:id="rId18"/>
-    <p:sldId id="266" r:id="rId19"/>
-    <p:sldId id="260" r:id="rId20"/>
+    <p:sldId id="278" r:id="rId15"/>
+    <p:sldId id="279" r:id="rId16"/>
+    <p:sldId id="277" r:id="rId17"/>
+    <p:sldId id="274" r:id="rId18"/>
+    <p:sldId id="275" r:id="rId19"/>
+    <p:sldId id="276" r:id="rId20"/>
+    <p:sldId id="266" r:id="rId21"/>
+    <p:sldId id="260" r:id="rId22"/>
   </p:sldIdLst>
   <p:sldSz cx="9144000" cy="5143500" type="screen16x9"/>
   <p:notesSz cx="6858000" cy="9144000"/>
@@ -226,7 +228,7 @@
           <a:p>
             <a:fld id="{16B52C4D-3FAD-40CF-8385-3C617BCCA432}" type="datetimeFigureOut">
               <a:rPr lang="en-US" smtClean="0"/>
-              <a:t>9/26/2019</a:t>
+              <a:t>9/28/2019</a:t>
             </a:fld>
             <a:endParaRPr lang="en-US"/>
           </a:p>
@@ -642,7 +644,7 @@
           <a:p>
             <a:fld id="{87350B06-B074-48FC-8CFD-53D2CD8FB95F}" type="slidenum">
               <a:rPr lang="en-US" smtClean="0"/>
-              <a:t>18</a:t>
+              <a:t>20</a:t>
             </a:fld>
             <a:endParaRPr lang="en-US" dirty="0"/>
           </a:p>
@@ -737,7 +739,7 @@
           <p:cNvPr id="5" name="Graphic 97">
             <a:extLst>
               <a:ext uri="{FF2B5EF4-FFF2-40B4-BE49-F238E27FC236}">
-                <a16:creationId xmlns:a16="http://schemas.microsoft.com/office/drawing/2014/main" id="{46279687-00F0-4823-8159-585447C125F0}"/>
+                <a16:creationId xmlns:a16="http://schemas.microsoft.com/office/drawing/2014/main" xmlns="" id="{46279687-00F0-4823-8159-585447C125F0}"/>
               </a:ext>
             </a:extLst>
           </p:cNvPr>
@@ -750,7 +752,7 @@
           <a:blip r:embed="rId2">
             <a:extLst>
               <a:ext uri="{96DAC541-7B7A-43D3-8B79-37D633B846F1}">
-                <asvg:svgBlip xmlns:asvg="http://schemas.microsoft.com/office/drawing/2016/SVG/main" r:embed="rId3"/>
+                <asvg:svgBlip xmlns:asvg="http://schemas.microsoft.com/office/drawing/2016/SVG/main" xmlns="" r:embed="rId3"/>
               </a:ext>
             </a:extLst>
           </a:blip>
@@ -912,7 +914,7 @@
           <p:cNvPr id="7" name="Graphic 9">
             <a:extLst>
               <a:ext uri="{FF2B5EF4-FFF2-40B4-BE49-F238E27FC236}">
-                <a16:creationId xmlns:a16="http://schemas.microsoft.com/office/drawing/2014/main" id="{C3D2EC56-D17C-4A75-8178-C69397BC7353}"/>
+                <a16:creationId xmlns:a16="http://schemas.microsoft.com/office/drawing/2014/main" xmlns="" id="{C3D2EC56-D17C-4A75-8178-C69397BC7353}"/>
               </a:ext>
             </a:extLst>
           </p:cNvPr>
@@ -925,7 +927,7 @@
           <a:blip r:embed="rId4">
             <a:extLst>
               <a:ext uri="{96DAC541-7B7A-43D3-8B79-37D633B846F1}">
-                <asvg:svgBlip xmlns:asvg="http://schemas.microsoft.com/office/drawing/2016/SVG/main" r:embed="rId5"/>
+                <asvg:svgBlip xmlns:asvg="http://schemas.microsoft.com/office/drawing/2016/SVG/main" xmlns="" r:embed="rId5"/>
               </a:ext>
             </a:extLst>
           </a:blip>
@@ -1043,7 +1045,7 @@
           <p:cNvPr id="5" name="Graphic 97">
             <a:extLst>
               <a:ext uri="{FF2B5EF4-FFF2-40B4-BE49-F238E27FC236}">
-                <a16:creationId xmlns:a16="http://schemas.microsoft.com/office/drawing/2014/main" id="{46279687-00F0-4823-8159-585447C125F0}"/>
+                <a16:creationId xmlns:a16="http://schemas.microsoft.com/office/drawing/2014/main" xmlns="" id="{46279687-00F0-4823-8159-585447C125F0}"/>
               </a:ext>
             </a:extLst>
           </p:cNvPr>
@@ -1056,7 +1058,7 @@
           <a:blip r:embed="rId2">
             <a:extLst>
               <a:ext uri="{96DAC541-7B7A-43D3-8B79-37D633B846F1}">
-                <asvg:svgBlip xmlns:asvg="http://schemas.microsoft.com/office/drawing/2016/SVG/main" r:embed="rId3"/>
+                <asvg:svgBlip xmlns:asvg="http://schemas.microsoft.com/office/drawing/2016/SVG/main" xmlns="" r:embed="rId3"/>
               </a:ext>
             </a:extLst>
           </a:blip>
@@ -1218,7 +1220,7 @@
           <p:cNvPr id="7" name="Graphic 9">
             <a:extLst>
               <a:ext uri="{FF2B5EF4-FFF2-40B4-BE49-F238E27FC236}">
-                <a16:creationId xmlns:a16="http://schemas.microsoft.com/office/drawing/2014/main" id="{C3D2EC56-D17C-4A75-8178-C69397BC7353}"/>
+                <a16:creationId xmlns:a16="http://schemas.microsoft.com/office/drawing/2014/main" xmlns="" id="{C3D2EC56-D17C-4A75-8178-C69397BC7353}"/>
               </a:ext>
             </a:extLst>
           </p:cNvPr>
@@ -1231,7 +1233,7 @@
           <a:blip r:embed="rId4">
             <a:extLst>
               <a:ext uri="{96DAC541-7B7A-43D3-8B79-37D633B846F1}">
-                <asvg:svgBlip xmlns:asvg="http://schemas.microsoft.com/office/drawing/2016/SVG/main" r:embed="rId5"/>
+                <asvg:svgBlip xmlns:asvg="http://schemas.microsoft.com/office/drawing/2016/SVG/main" xmlns="" r:embed="rId5"/>
               </a:ext>
             </a:extLst>
           </a:blip>
@@ -1594,7 +1596,7 @@
           <a:graphicData uri="http://schemas.openxmlformats.org/presentationml/2006/ole">
             <mc:AlternateContent xmlns:mc="http://schemas.openxmlformats.org/markup-compatibility/2006">
               <mc:Choice xmlns:v="urn:schemas-microsoft-com:vml" Requires="v">
-                <p:oleObj spid="_x0000_s2087" name="think-cell Slide" r:id="rId6" imgW="360" imgH="360" progId="">
+                <p:oleObj spid="_x0000_s2091" name="think-cell Slide" r:id="rId6" imgW="360" imgH="360" progId="">
                   <p:embed/>
                 </p:oleObj>
               </mc:Choice>
@@ -2072,7 +2074,7 @@
             <a:fld id="{53074F12-AA26-4AC8-9962-C36BB8F32554}" type="datetimeFigureOut">
               <a:rPr lang="en-US" smtClean="0"/>
               <a:pPr/>
-              <a:t>9/26/2019</a:t>
+              <a:t>9/28/2019</a:t>
             </a:fld>
             <a:endParaRPr lang="en-US"/>
           </a:p>
@@ -2583,7 +2585,7 @@
             <a:fld id="{53074F12-AA26-4AC8-9962-C36BB8F32554}" type="datetimeFigureOut">
               <a:rPr lang="en-US" smtClean="0"/>
               <a:pPr/>
-              <a:t>9/26/2019</a:t>
+              <a:t>9/28/2019</a:t>
             </a:fld>
             <a:endParaRPr lang="en-US"/>
           </a:p>
@@ -2704,7 +2706,7 @@
             <a:fld id="{53074F12-AA26-4AC8-9962-C36BB8F32554}" type="datetimeFigureOut">
               <a:rPr lang="en-US" smtClean="0"/>
               <a:pPr/>
-              <a:t>9/26/2019</a:t>
+              <a:t>9/28/2019</a:t>
             </a:fld>
             <a:endParaRPr lang="en-US"/>
           </a:p>
@@ -3103,7 +3105,7 @@
           <a:graphicData uri="http://schemas.openxmlformats.org/presentationml/2006/ole">
             <mc:AlternateContent xmlns:mc="http://schemas.openxmlformats.org/markup-compatibility/2006">
               <mc:Choice xmlns:v="urn:schemas-microsoft-com:vml" Requires="v">
-                <p:oleObj spid="_x0000_s1063" name="think-cell Slide" r:id="rId6" imgW="360" imgH="360" progId="">
+                <p:oleObj spid="_x0000_s1067" name="think-cell Slide" r:id="rId6" imgW="360" imgH="360" progId="">
                   <p:embed/>
                 </p:oleObj>
               </mc:Choice>
@@ -3635,7 +3637,7 @@
             <a:fld id="{53074F12-AA26-4AC8-9962-C36BB8F32554}" type="datetimeFigureOut">
               <a:rPr lang="en-US" smtClean="0"/>
               <a:pPr/>
-              <a:t>9/26/2019</a:t>
+              <a:t>9/28/2019</a:t>
             </a:fld>
             <a:endParaRPr lang="en-US"/>
           </a:p>
@@ -3892,7 +3894,7 @@
             <a:fld id="{53074F12-AA26-4AC8-9962-C36BB8F32554}" type="datetimeFigureOut">
               <a:rPr lang="en-US" smtClean="0"/>
               <a:pPr/>
-              <a:t>9/26/2019</a:t>
+              <a:t>9/28/2019</a:t>
             </a:fld>
             <a:endParaRPr lang="en-US"/>
           </a:p>
@@ -4403,7 +4405,7 @@
             <a:fld id="{53074F12-AA26-4AC8-9962-C36BB8F32554}" type="datetimeFigureOut">
               <a:rPr lang="en-US" smtClean="0"/>
               <a:pPr/>
-              <a:t>9/26/2019</a:t>
+              <a:t>9/28/2019</a:t>
             </a:fld>
             <a:endParaRPr lang="en-US"/>
           </a:p>
@@ -4524,7 +4526,7 @@
             <a:fld id="{53074F12-AA26-4AC8-9962-C36BB8F32554}" type="datetimeFigureOut">
               <a:rPr lang="en-US" smtClean="0"/>
               <a:pPr/>
-              <a:t>9/26/2019</a:t>
+              <a:t>9/28/2019</a:t>
             </a:fld>
             <a:endParaRPr lang="en-US"/>
           </a:p>
@@ -4629,7 +4631,7 @@
           <p:cNvPr id="4" name="Title Placeholder 3">
             <a:extLst>
               <a:ext uri="{FF2B5EF4-FFF2-40B4-BE49-F238E27FC236}">
-                <a16:creationId xmlns:a16="http://schemas.microsoft.com/office/drawing/2014/main" id="{509B218C-0963-489A-AA77-3748FFA421C5}"/>
+                <a16:creationId xmlns:a16="http://schemas.microsoft.com/office/drawing/2014/main" xmlns="" id="{509B218C-0963-489A-AA77-3748FFA421C5}"/>
               </a:ext>
             </a:extLst>
           </p:cNvPr>
@@ -4668,7 +4670,7 @@
           <p:cNvPr id="5" name="Text Placeholder 4">
             <a:extLst>
               <a:ext uri="{FF2B5EF4-FFF2-40B4-BE49-F238E27FC236}">
-                <a16:creationId xmlns:a16="http://schemas.microsoft.com/office/drawing/2014/main" id="{A4D17236-A440-4453-A69C-BE3728C11608}"/>
+                <a16:creationId xmlns:a16="http://schemas.microsoft.com/office/drawing/2014/main" xmlns="" id="{A4D17236-A440-4453-A69C-BE3728C11608}"/>
               </a:ext>
             </a:extLst>
           </p:cNvPr>
@@ -4736,7 +4738,7 @@
           <p:cNvPr id="6" name="Graphic 5">
             <a:extLst>
               <a:ext uri="{FF2B5EF4-FFF2-40B4-BE49-F238E27FC236}">
-                <a16:creationId xmlns:a16="http://schemas.microsoft.com/office/drawing/2014/main" id="{91AA2D51-D0D7-4EEF-90B9-C82A02C6409C}"/>
+                <a16:creationId xmlns:a16="http://schemas.microsoft.com/office/drawing/2014/main" xmlns="" id="{91AA2D51-D0D7-4EEF-90B9-C82A02C6409C}"/>
               </a:ext>
             </a:extLst>
           </p:cNvPr>
@@ -4749,7 +4751,7 @@
           <a:blip r:embed="rId11">
             <a:extLst>
               <a:ext uri="{96DAC541-7B7A-43D3-8B79-37D633B846F1}">
-                <asvg:svgBlip xmlns:asvg="http://schemas.microsoft.com/office/drawing/2016/SVG/main" r:embed="rId12"/>
+                <asvg:svgBlip xmlns:asvg="http://schemas.microsoft.com/office/drawing/2016/SVG/main" xmlns="" r:embed="rId12"/>
               </a:ext>
             </a:extLst>
           </a:blip>
@@ -5161,7 +5163,7 @@
           <p:cNvPr id="4" name="Title Placeholder 3">
             <a:extLst>
               <a:ext uri="{FF2B5EF4-FFF2-40B4-BE49-F238E27FC236}">
-                <a16:creationId xmlns:a16="http://schemas.microsoft.com/office/drawing/2014/main" id="{509B218C-0963-489A-AA77-3748FFA421C5}"/>
+                <a16:creationId xmlns:a16="http://schemas.microsoft.com/office/drawing/2014/main" xmlns="" id="{509B218C-0963-489A-AA77-3748FFA421C5}"/>
               </a:ext>
             </a:extLst>
           </p:cNvPr>
@@ -5200,7 +5202,7 @@
           <p:cNvPr id="5" name="Text Placeholder 4">
             <a:extLst>
               <a:ext uri="{FF2B5EF4-FFF2-40B4-BE49-F238E27FC236}">
-                <a16:creationId xmlns:a16="http://schemas.microsoft.com/office/drawing/2014/main" id="{A4D17236-A440-4453-A69C-BE3728C11608}"/>
+                <a16:creationId xmlns:a16="http://schemas.microsoft.com/office/drawing/2014/main" xmlns="" id="{A4D17236-A440-4453-A69C-BE3728C11608}"/>
               </a:ext>
             </a:extLst>
           </p:cNvPr>
@@ -5268,7 +5270,7 @@
           <p:cNvPr id="6" name="Graphic 5">
             <a:extLst>
               <a:ext uri="{FF2B5EF4-FFF2-40B4-BE49-F238E27FC236}">
-                <a16:creationId xmlns:a16="http://schemas.microsoft.com/office/drawing/2014/main" id="{91AA2D51-D0D7-4EEF-90B9-C82A02C6409C}"/>
+                <a16:creationId xmlns:a16="http://schemas.microsoft.com/office/drawing/2014/main" xmlns="" id="{91AA2D51-D0D7-4EEF-90B9-C82A02C6409C}"/>
               </a:ext>
             </a:extLst>
           </p:cNvPr>
@@ -5281,7 +5283,7 @@
           <a:blip r:embed="rId10">
             <a:extLst>
               <a:ext uri="{96DAC541-7B7A-43D3-8B79-37D633B846F1}">
-                <asvg:svgBlip xmlns:asvg="http://schemas.microsoft.com/office/drawing/2016/SVG/main" r:embed="rId11"/>
+                <asvg:svgBlip xmlns:asvg="http://schemas.microsoft.com/office/drawing/2016/SVG/main" xmlns="" r:embed="rId11"/>
               </a:ext>
             </a:extLst>
           </a:blip>
@@ -5894,7 +5896,7 @@
           <p:cNvPr id="3" name="TextBox 2">
             <a:extLst>
               <a:ext uri="{FF2B5EF4-FFF2-40B4-BE49-F238E27FC236}">
-                <a16:creationId xmlns:a16="http://schemas.microsoft.com/office/drawing/2014/main" id="{29680291-5C8B-4D39-8B96-5801222F1544}"/>
+                <a16:creationId xmlns:a16="http://schemas.microsoft.com/office/drawing/2014/main" xmlns="" id="{29680291-5C8B-4D39-8B96-5801222F1544}"/>
               </a:ext>
             </a:extLst>
           </p:cNvPr>
@@ -6009,6 +6011,10 @@
               <a:rPr lang="en-US" sz="3600" u="sng" dirty="0"/>
               <a:t>Count of Restaurants in each city:</a:t>
             </a:r>
+            <a:r>
+              <a:rPr lang="en-US" dirty="0"/>
+              <a:t/>
+            </a:r>
             <a:br>
               <a:rPr lang="en-US" dirty="0"/>
             </a:br>
@@ -6137,7 +6143,7 @@
           <p:cNvPr id="7" name="TextBox 6">
             <a:extLst>
               <a:ext uri="{FF2B5EF4-FFF2-40B4-BE49-F238E27FC236}">
-                <a16:creationId xmlns:a16="http://schemas.microsoft.com/office/drawing/2014/main" id="{421C24B4-BE99-4398-A210-4CC901AA27E6}"/>
+                <a16:creationId xmlns:a16="http://schemas.microsoft.com/office/drawing/2014/main" xmlns="" id="{421C24B4-BE99-4398-A210-4CC901AA27E6}"/>
               </a:ext>
             </a:extLst>
           </p:cNvPr>
@@ -6308,7 +6314,7 @@
           <p:cNvPr id="3" name="TextBox 2">
             <a:extLst>
               <a:ext uri="{FF2B5EF4-FFF2-40B4-BE49-F238E27FC236}">
-                <a16:creationId xmlns:a16="http://schemas.microsoft.com/office/drawing/2014/main" id="{E0024F9A-DBE2-4079-AA20-8B6AD3299075}"/>
+                <a16:creationId xmlns:a16="http://schemas.microsoft.com/office/drawing/2014/main" xmlns="" id="{E0024F9A-DBE2-4079-AA20-8B6AD3299075}"/>
               </a:ext>
             </a:extLst>
           </p:cNvPr>
@@ -6382,13 +6388,7 @@
       </p:grpSpPr>
       <p:sp>
         <p:nvSpPr>
-          <p:cNvPr id="2" name="Title 1">
-            <a:extLst>
-              <a:ext uri="{FF2B5EF4-FFF2-40B4-BE49-F238E27FC236}">
-                <a16:creationId xmlns:a16="http://schemas.microsoft.com/office/drawing/2014/main" id="{5B1C6C6E-AADA-481B-A204-C9859B1499DF}"/>
-              </a:ext>
-            </a:extLst>
-          </p:cNvPr>
+          <p:cNvPr id="2" name="Title 1"/>
           <p:cNvSpPr>
             <a:spLocks noGrp="1"/>
           </p:cNvSpPr>
@@ -6396,27 +6396,27 @@
             <p:ph type="title"/>
           </p:nvPr>
         </p:nvSpPr>
-        <p:spPr/>
+        <p:spPr>
+          <a:xfrm>
+            <a:off x="298517" y="586585"/>
+            <a:ext cx="8532019" cy="641270"/>
+          </a:xfrm>
+        </p:spPr>
         <p:txBody>
           <a:bodyPr/>
           <a:lstStyle/>
           <a:p>
             <a:r>
-              <a:rPr lang="en-IN" u="sng" dirty="0"/>
-              <a:t>Nested Query Operation</a:t>
-            </a:r>
-          </a:p>
-        </p:txBody>
-      </p:sp>
-      <p:sp>
-        <p:nvSpPr>
-          <p:cNvPr id="3" name="Content Placeholder 2">
-            <a:extLst>
-              <a:ext uri="{FF2B5EF4-FFF2-40B4-BE49-F238E27FC236}">
-                <a16:creationId xmlns:a16="http://schemas.microsoft.com/office/drawing/2014/main" id="{086EB823-2CF6-4B43-939F-665E3246613D}"/>
-              </a:ext>
-            </a:extLst>
-          </p:cNvPr>
+              <a:rPr lang="en-US" u="sng" dirty="0" smtClean="0"/>
+              <a:t>Count of Online delivery and Has Table booking</a:t>
+            </a:r>
+            <a:endParaRPr lang="en-US" u="sng" dirty="0"/>
+          </a:p>
+        </p:txBody>
+      </p:sp>
+      <p:sp>
+        <p:nvSpPr>
+          <p:cNvPr id="3" name="Content Placeholder 2"/>
           <p:cNvSpPr>
             <a:spLocks noGrp="1"/>
           </p:cNvSpPr>
@@ -6426,42 +6426,83 @@
         </p:nvSpPr>
         <p:spPr>
           <a:xfrm>
-            <a:off x="71777" y="951310"/>
-            <a:ext cx="8758759" cy="3652579"/>
-          </a:xfrm>
-        </p:spPr>
-        <p:txBody>
-          <a:bodyPr>
-            <a:normAutofit/>
-          </a:bodyPr>
+            <a:off x="298517" y="1350110"/>
+            <a:ext cx="8532019" cy="3253778"/>
+          </a:xfrm>
+        </p:spPr>
+        <p:txBody>
+          <a:bodyPr/>
           <a:lstStyle/>
           <a:p>
             <a:pPr>
               <a:buFont typeface="Arial" panose="020B0604020202020204" pitchFamily="34" charset="0"/>
               <a:buChar char="•"/>
             </a:pPr>
-            <a:r>
-              <a:rPr lang="en-IN" sz="1600" dirty="0"/>
-              <a:t>Finding details of restaurant having Excellent Rating and currently open for booking </a:t>
-            </a:r>
+            <a:endParaRPr lang="en-US" sz="1600" dirty="0" smtClean="0"/>
+          </a:p>
+          <a:p>
+            <a:pPr>
+              <a:buFont typeface="Arial" panose="020B0604020202020204" pitchFamily="34" charset="0"/>
+              <a:buChar char="•"/>
+            </a:pPr>
+            <a:endParaRPr lang="en-US" sz="1600" dirty="0"/>
+          </a:p>
+          <a:p>
+            <a:pPr>
+              <a:buFont typeface="Arial" panose="020B0604020202020204" pitchFamily="34" charset="0"/>
+              <a:buChar char="•"/>
+            </a:pPr>
+            <a:r>
+              <a:rPr lang="en-US" sz="1600" dirty="0" smtClean="0"/>
+              <a:t>Table 1</a:t>
+            </a:r>
+            <a:r>
+              <a:rPr lang="en-US" dirty="0" smtClean="0"/>
+              <a:t>: </a:t>
+            </a:r>
+            <a:r>
+              <a:rPr lang="en-US" sz="1400" dirty="0" smtClean="0"/>
+              <a:t>Count of Restaurant having Online delivery available? Yes/No</a:t>
+            </a:r>
+          </a:p>
+          <a:p>
+            <a:pPr>
+              <a:buFont typeface="Arial" panose="020B0604020202020204" pitchFamily="34" charset="0"/>
+              <a:buChar char="•"/>
+            </a:pPr>
+            <a:r>
+              <a:rPr lang="en-US" sz="1600" dirty="0" smtClean="0"/>
+              <a:t>Table 2: </a:t>
+            </a:r>
+            <a:r>
+              <a:rPr lang="en-US" sz="1400" dirty="0" smtClean="0"/>
+              <a:t>Count of Restaurant having Has table booking? Yes/No</a:t>
+            </a:r>
+          </a:p>
+          <a:p>
+            <a:pPr>
+              <a:buFont typeface="Arial" panose="020B0604020202020204" pitchFamily="34" charset="0"/>
+              <a:buChar char="•"/>
+            </a:pPr>
+            <a:endParaRPr lang="en-US" sz="1400" dirty="0"/>
           </a:p>
           <a:p>
             <a:pPr marL="0" indent="0">
               <a:buNone/>
             </a:pPr>
-            <a:endParaRPr lang="en-IN" sz="1600" dirty="0"/>
+            <a:endParaRPr lang="en-US" sz="1400" dirty="0"/>
+          </a:p>
+          <a:p>
+            <a:pPr marL="0" indent="0">
+              <a:buNone/>
+            </a:pPr>
+            <a:endParaRPr lang="en-US" sz="1400" dirty="0"/>
           </a:p>
         </p:txBody>
       </p:sp>
       <p:pic>
         <p:nvPicPr>
-          <p:cNvPr id="5" name="Picture 4">
-            <a:extLst>
-              <a:ext uri="{FF2B5EF4-FFF2-40B4-BE49-F238E27FC236}">
-                <a16:creationId xmlns:a16="http://schemas.microsoft.com/office/drawing/2014/main" id="{F1FF665D-7870-4352-8F95-F620360417E2}"/>
-              </a:ext>
-            </a:extLst>
-          </p:cNvPr>
+          <p:cNvPr id="4" name="Picture 3"/>
           <p:cNvPicPr>
             <a:picLocks noChangeAspect="1"/>
           </p:cNvPicPr>
@@ -6481,18 +6522,110 @@
         </p:blipFill>
         <p:spPr>
           <a:xfrm>
-            <a:off x="71777" y="1736331"/>
-            <a:ext cx="9000445" cy="2838252"/>
+            <a:off x="1670605" y="2777734"/>
+            <a:ext cx="1752600" cy="828675"/>
           </a:xfrm>
           <a:prstGeom prst="rect">
             <a:avLst/>
           </a:prstGeom>
         </p:spPr>
       </p:pic>
+      <p:pic>
+        <p:nvPicPr>
+          <p:cNvPr id="5" name="Picture 4"/>
+          <p:cNvPicPr>
+            <a:picLocks noChangeAspect="1"/>
+          </p:cNvPicPr>
+          <p:nvPr/>
+        </p:nvPicPr>
+        <p:blipFill>
+          <a:blip r:embed="rId3">
+            <a:extLst>
+              <a:ext uri="{28A0092B-C50C-407E-A947-70E740481C1C}">
+                <a14:useLocalDpi xmlns:a14="http://schemas.microsoft.com/office/drawing/2010/main" val="0"/>
+              </a:ext>
+            </a:extLst>
+          </a:blip>
+          <a:stretch>
+            <a:fillRect/>
+          </a:stretch>
+        </p:blipFill>
+        <p:spPr>
+          <a:xfrm>
+            <a:off x="4908068" y="2777734"/>
+            <a:ext cx="1685925" cy="838200"/>
+          </a:xfrm>
+          <a:prstGeom prst="rect">
+            <a:avLst/>
+          </a:prstGeom>
+        </p:spPr>
+      </p:pic>
+      <p:sp>
+        <p:nvSpPr>
+          <p:cNvPr id="6" name="TextBox 5"/>
+          <p:cNvSpPr txBox="1"/>
+          <p:nvPr/>
+        </p:nvSpPr>
+        <p:spPr>
+          <a:xfrm>
+            <a:off x="1783380" y="3606409"/>
+            <a:ext cx="1527050" cy="276999"/>
+          </a:xfrm>
+          <a:prstGeom prst="rect">
+            <a:avLst/>
+          </a:prstGeom>
+          <a:noFill/>
+        </p:spPr>
+        <p:txBody>
+          <a:bodyPr wrap="square" rtlCol="0">
+            <a:spAutoFit/>
+          </a:bodyPr>
+          <a:lstStyle/>
+          <a:p>
+            <a:pPr algn="ctr"/>
+            <a:r>
+              <a:rPr lang="en-US" sz="1200" dirty="0" smtClean="0"/>
+              <a:t>Table 1</a:t>
+            </a:r>
+            <a:endParaRPr lang="en-US" sz="1200" dirty="0"/>
+          </a:p>
+        </p:txBody>
+      </p:sp>
+      <p:sp>
+        <p:nvSpPr>
+          <p:cNvPr id="7" name="TextBox 6"/>
+          <p:cNvSpPr txBox="1"/>
+          <p:nvPr/>
+        </p:nvSpPr>
+        <p:spPr>
+          <a:xfrm>
+            <a:off x="5182820" y="3606408"/>
+            <a:ext cx="1221640" cy="276999"/>
+          </a:xfrm>
+          <a:prstGeom prst="rect">
+            <a:avLst/>
+          </a:prstGeom>
+          <a:noFill/>
+        </p:spPr>
+        <p:txBody>
+          <a:bodyPr wrap="square" rtlCol="0">
+            <a:spAutoFit/>
+          </a:bodyPr>
+          <a:lstStyle/>
+          <a:p>
+            <a:pPr algn="ctr"/>
+            <a:r>
+              <a:rPr lang="en-US" sz="1200" dirty="0" smtClean="0"/>
+              <a:t>Table 2</a:t>
+            </a:r>
+            <a:endParaRPr lang="en-US" sz="1200" dirty="0"/>
+          </a:p>
+        </p:txBody>
+      </p:sp>
     </p:spTree>
     <p:extLst>
       <p:ext uri="{BB962C8B-B14F-4D97-AF65-F5344CB8AC3E}">
-        <p14:creationId xmlns:p14="http://schemas.microsoft.com/office/powerpoint/2010/main" val="3709977842"/>
+        <p14:creationId xmlns:p14="http://schemas.microsoft.com/office/powerpoint/2010/main" val="4149067020"/>
       </p:ext>
     </p:extLst>
   </p:cSld>
@@ -6529,33 +6662,94 @@
             <p:ph type="title"/>
           </p:nvPr>
         </p:nvSpPr>
-        <p:spPr/>
+        <p:spPr>
+          <a:xfrm>
+            <a:off x="298517" y="433880"/>
+            <a:ext cx="8532019" cy="641270"/>
+          </a:xfrm>
+        </p:spPr>
         <p:txBody>
           <a:bodyPr/>
           <a:lstStyle/>
           <a:p>
             <a:r>
-              <a:rPr lang="en-US" u="sng" dirty="0"/>
-              <a:t>Highest Rated Restaurant In City</a:t>
-            </a:r>
+              <a:rPr lang="en-US" u="sng" dirty="0" smtClean="0"/>
+              <a:t>Sort by highest Voted Restaurant and price Range</a:t>
+            </a:r>
+            <a:endParaRPr lang="en-US" u="sng" dirty="0"/>
+          </a:p>
+        </p:txBody>
+      </p:sp>
+      <p:sp>
+        <p:nvSpPr>
+          <p:cNvPr id="3" name="Content Placeholder 2"/>
+          <p:cNvSpPr>
+            <a:spLocks noGrp="1"/>
+          </p:cNvSpPr>
+          <p:nvPr>
+            <p:ph idx="1"/>
+          </p:nvPr>
+        </p:nvSpPr>
+        <p:spPr>
+          <a:xfrm>
+            <a:off x="298517" y="1350109"/>
+            <a:ext cx="8532019" cy="3512215"/>
+          </a:xfrm>
+        </p:spPr>
+        <p:txBody>
+          <a:bodyPr/>
+          <a:lstStyle/>
+          <a:p>
+            <a:pPr>
+              <a:buFont typeface="Arial" panose="020B0604020202020204" pitchFamily="34" charset="0"/>
+              <a:buChar char="•"/>
+            </a:pPr>
+            <a:r>
+              <a:rPr lang="en-US" dirty="0" smtClean="0"/>
+              <a:t>City wise highly voted restaurant</a:t>
+            </a:r>
+          </a:p>
+          <a:p>
+            <a:pPr>
+              <a:buFont typeface="Arial" panose="020B0604020202020204" pitchFamily="34" charset="0"/>
+              <a:buChar char="•"/>
+            </a:pPr>
+            <a:r>
+              <a:rPr lang="en-US" dirty="0" smtClean="0"/>
+              <a:t>Price Range &gt; 4</a:t>
+            </a:r>
+          </a:p>
+          <a:p>
+            <a:pPr>
+              <a:buFont typeface="Arial" panose="020B0604020202020204" pitchFamily="34" charset="0"/>
+              <a:buChar char="•"/>
+            </a:pPr>
+            <a:r>
+              <a:rPr lang="en-US" dirty="0" smtClean="0"/>
+              <a:t>Aggregate Rating &gt;4</a:t>
+            </a:r>
+          </a:p>
+          <a:p>
+            <a:pPr marL="0" indent="0">
+              <a:buNone/>
+            </a:pPr>
+            <a:endParaRPr lang="en-US" dirty="0" smtClean="0"/>
+          </a:p>
+          <a:p>
+            <a:pPr marL="0" indent="0">
+              <a:buNone/>
+            </a:pPr>
+            <a:endParaRPr lang="en-US" dirty="0"/>
           </a:p>
         </p:txBody>
       </p:sp>
       <p:pic>
         <p:nvPicPr>
-          <p:cNvPr id="5" name="Content Placeholder 4">
-            <a:extLst>
-              <a:ext uri="{FF2B5EF4-FFF2-40B4-BE49-F238E27FC236}">
-                <a16:creationId xmlns:a16="http://schemas.microsoft.com/office/drawing/2014/main" id="{99B3EBD3-DC98-48D0-A6FD-082DD956C628}"/>
-              </a:ext>
-            </a:extLst>
-          </p:cNvPr>
+          <p:cNvPr id="4" name="Picture 3"/>
           <p:cNvPicPr>
-            <a:picLocks noGrp="1" noChangeAspect="1"/>
+            <a:picLocks noChangeAspect="1"/>
           </p:cNvPicPr>
-          <p:nvPr>
-            <p:ph idx="1"/>
-          </p:nvPr>
+          <p:nvPr/>
         </p:nvPicPr>
         <p:blipFill>
           <a:blip r:embed="rId2">
@@ -6571,41 +6765,8 @@
         </p:blipFill>
         <p:spPr>
           <a:xfrm>
-            <a:off x="169469" y="1037829"/>
-            <a:ext cx="4113306" cy="1204225"/>
-          </a:xfrm>
-        </p:spPr>
-      </p:pic>
-      <p:pic>
-        <p:nvPicPr>
-          <p:cNvPr id="7" name="Picture 6">
-            <a:extLst>
-              <a:ext uri="{FF2B5EF4-FFF2-40B4-BE49-F238E27FC236}">
-                <a16:creationId xmlns:a16="http://schemas.microsoft.com/office/drawing/2014/main" id="{7AD399A7-67F1-4A37-9D43-5C02386C2FC4}"/>
-              </a:ext>
-            </a:extLst>
-          </p:cNvPr>
-          <p:cNvPicPr>
-            <a:picLocks noChangeAspect="1"/>
-          </p:cNvPicPr>
-          <p:nvPr/>
-        </p:nvPicPr>
-        <p:blipFill>
-          <a:blip r:embed="rId3">
-            <a:extLst>
-              <a:ext uri="{28A0092B-C50C-407E-A947-70E740481C1C}">
-                <a14:useLocalDpi xmlns:a14="http://schemas.microsoft.com/office/drawing/2010/main" val="0"/>
-              </a:ext>
-            </a:extLst>
-          </a:blip>
-          <a:stretch>
-            <a:fillRect/>
-          </a:stretch>
-        </p:blipFill>
-        <p:spPr>
-          <a:xfrm>
-            <a:off x="143555" y="2242054"/>
-            <a:ext cx="8148030" cy="2783521"/>
+            <a:off x="5488230" y="1042275"/>
+            <a:ext cx="2368088" cy="3805920"/>
           </a:xfrm>
           <a:prstGeom prst="rect">
             <a:avLst/>
@@ -6615,7 +6776,7 @@
     </p:spTree>
     <p:extLst>
       <p:ext uri="{BB962C8B-B14F-4D97-AF65-F5344CB8AC3E}">
-        <p14:creationId xmlns:p14="http://schemas.microsoft.com/office/powerpoint/2010/main" val="3094461587"/>
+        <p14:creationId xmlns:p14="http://schemas.microsoft.com/office/powerpoint/2010/main" val="3880939458"/>
       </p:ext>
     </p:extLst>
   </p:cSld>
@@ -6647,7 +6808,7 @@
           <p:cNvPr id="2" name="Title 1">
             <a:extLst>
               <a:ext uri="{FF2B5EF4-FFF2-40B4-BE49-F238E27FC236}">
-                <a16:creationId xmlns:a16="http://schemas.microsoft.com/office/drawing/2014/main" id="{4BB78DCE-4D15-4AC4-8ACB-A801FF4EC30D}"/>
+                <a16:creationId xmlns:a16="http://schemas.microsoft.com/office/drawing/2014/main" xmlns="" id="{5B1C6C6E-AADA-481B-A204-C9859B1499DF}"/>
               </a:ext>
             </a:extLst>
           </p:cNvPr>
@@ -6665,26 +6826,69 @@
           <a:p>
             <a:r>
               <a:rPr lang="en-IN" u="sng" dirty="0"/>
-              <a:t>Details of Highly Voted Restaurant</a:t>
-            </a:r>
+              <a:t>Nested Query Operation</a:t>
+            </a:r>
+          </a:p>
+        </p:txBody>
+      </p:sp>
+      <p:sp>
+        <p:nvSpPr>
+          <p:cNvPr id="3" name="Content Placeholder 2">
+            <a:extLst>
+              <a:ext uri="{FF2B5EF4-FFF2-40B4-BE49-F238E27FC236}">
+                <a16:creationId xmlns:a16="http://schemas.microsoft.com/office/drawing/2014/main" xmlns="" id="{086EB823-2CF6-4B43-939F-665E3246613D}"/>
+              </a:ext>
+            </a:extLst>
+          </p:cNvPr>
+          <p:cNvSpPr>
+            <a:spLocks noGrp="1"/>
+          </p:cNvSpPr>
+          <p:nvPr>
+            <p:ph idx="1"/>
+          </p:nvPr>
+        </p:nvSpPr>
+        <p:spPr>
+          <a:xfrm>
+            <a:off x="71777" y="951310"/>
+            <a:ext cx="8758759" cy="3652579"/>
+          </a:xfrm>
+        </p:spPr>
+        <p:txBody>
+          <a:bodyPr>
+            <a:normAutofit/>
+          </a:bodyPr>
+          <a:lstStyle/>
+          <a:p>
+            <a:pPr>
+              <a:buFont typeface="Arial" panose="020B0604020202020204" pitchFamily="34" charset="0"/>
+              <a:buChar char="•"/>
+            </a:pPr>
+            <a:r>
+              <a:rPr lang="en-IN" sz="1600" dirty="0"/>
+              <a:t>Finding details of restaurant having Excellent Rating and currently open for booking </a:t>
+            </a:r>
+          </a:p>
+          <a:p>
+            <a:pPr marL="0" indent="0">
+              <a:buNone/>
+            </a:pPr>
+            <a:endParaRPr lang="en-IN" sz="1600" dirty="0"/>
           </a:p>
         </p:txBody>
       </p:sp>
       <p:pic>
         <p:nvPicPr>
-          <p:cNvPr id="5" name="Content Placeholder 4">
+          <p:cNvPr id="5" name="Picture 4">
             <a:extLst>
               <a:ext uri="{FF2B5EF4-FFF2-40B4-BE49-F238E27FC236}">
-                <a16:creationId xmlns:a16="http://schemas.microsoft.com/office/drawing/2014/main" id="{61F06BB6-3427-47F0-8263-BEA9B82C2467}"/>
+                <a16:creationId xmlns:a16="http://schemas.microsoft.com/office/drawing/2014/main" xmlns="" id="{F1FF665D-7870-4352-8F95-F620360417E2}"/>
               </a:ext>
             </a:extLst>
           </p:cNvPr>
           <p:cNvPicPr>
-            <a:picLocks noGrp="1" noChangeAspect="1"/>
+            <a:picLocks noChangeAspect="1"/>
           </p:cNvPicPr>
-          <p:nvPr>
-            <p:ph idx="1"/>
-          </p:nvPr>
+          <p:nvPr/>
         </p:nvPicPr>
         <p:blipFill>
           <a:blip r:embed="rId2">
@@ -6700,41 +6904,8 @@
         </p:blipFill>
         <p:spPr>
           <a:xfrm>
-            <a:off x="70884" y="739290"/>
-            <a:ext cx="4888743" cy="1308458"/>
-          </a:xfrm>
-        </p:spPr>
-      </p:pic>
-      <p:pic>
-        <p:nvPicPr>
-          <p:cNvPr id="7" name="Picture 6">
-            <a:extLst>
-              <a:ext uri="{FF2B5EF4-FFF2-40B4-BE49-F238E27FC236}">
-                <a16:creationId xmlns:a16="http://schemas.microsoft.com/office/drawing/2014/main" id="{013D2C99-CFF2-4437-B0A4-5FAF2A1F3FF3}"/>
-              </a:ext>
-            </a:extLst>
-          </p:cNvPr>
-          <p:cNvPicPr>
-            <a:picLocks noChangeAspect="1"/>
-          </p:cNvPicPr>
-          <p:nvPr/>
-        </p:nvPicPr>
-        <p:blipFill>
-          <a:blip r:embed="rId3">
-            <a:extLst>
-              <a:ext uri="{28A0092B-C50C-407E-A947-70E740481C1C}">
-                <a14:useLocalDpi xmlns:a14="http://schemas.microsoft.com/office/drawing/2010/main" val="0"/>
-              </a:ext>
-            </a:extLst>
-          </a:blip>
-          <a:stretch>
-            <a:fillRect/>
-          </a:stretch>
-        </p:blipFill>
-        <p:spPr>
-          <a:xfrm>
-            <a:off x="143555" y="2047748"/>
-            <a:ext cx="8775862" cy="2682491"/>
+            <a:off x="71777" y="1736331"/>
+            <a:ext cx="9000445" cy="2838252"/>
           </a:xfrm>
           <a:prstGeom prst="rect">
             <a:avLst/>
@@ -6744,7 +6915,7 @@
     </p:spTree>
     <p:extLst>
       <p:ext uri="{BB962C8B-B14F-4D97-AF65-F5344CB8AC3E}">
-        <p14:creationId xmlns:p14="http://schemas.microsoft.com/office/powerpoint/2010/main" val="2684754229"/>
+        <p14:creationId xmlns:p14="http://schemas.microsoft.com/office/powerpoint/2010/main" val="3709977842"/>
       </p:ext>
     </p:extLst>
   </p:cSld>
@@ -6773,13 +6944,7 @@
       </p:grpSpPr>
       <p:sp>
         <p:nvSpPr>
-          <p:cNvPr id="2" name="Title 1">
-            <a:extLst>
-              <a:ext uri="{FF2B5EF4-FFF2-40B4-BE49-F238E27FC236}">
-                <a16:creationId xmlns:a16="http://schemas.microsoft.com/office/drawing/2014/main" id="{76CC49EE-F7CE-4A4A-86F8-217CE613B440}"/>
-              </a:ext>
-            </a:extLst>
-          </p:cNvPr>
+          <p:cNvPr id="2" name="Title 1"/>
           <p:cNvSpPr>
             <a:spLocks noGrp="1"/>
           </p:cNvSpPr>
@@ -6787,19 +6952,14 @@
             <p:ph type="title"/>
           </p:nvPr>
         </p:nvSpPr>
-        <p:spPr>
-          <a:xfrm>
-            <a:off x="305198" y="433880"/>
-            <a:ext cx="8532019" cy="641270"/>
-          </a:xfrm>
-        </p:spPr>
+        <p:spPr/>
         <p:txBody>
           <a:bodyPr/>
           <a:lstStyle/>
           <a:p>
             <a:r>
-              <a:rPr lang="en-IN" u="sng" dirty="0"/>
-              <a:t>Conditional Queries</a:t>
+              <a:rPr lang="en-US" u="sng" dirty="0"/>
+              <a:t>Highest Rated Restaurant In City</a:t>
             </a:r>
           </a:p>
         </p:txBody>
@@ -6809,7 +6969,7 @@
           <p:cNvPr id="5" name="Content Placeholder 4">
             <a:extLst>
               <a:ext uri="{FF2B5EF4-FFF2-40B4-BE49-F238E27FC236}">
-                <a16:creationId xmlns:a16="http://schemas.microsoft.com/office/drawing/2014/main" id="{9C2C880C-6B60-469F-B512-525697D4259D}"/>
+                <a16:creationId xmlns:a16="http://schemas.microsoft.com/office/drawing/2014/main" xmlns="" id="{99B3EBD3-DC98-48D0-A6FD-082DD956C628}"/>
               </a:ext>
             </a:extLst>
           </p:cNvPr>
@@ -6834,54 +6994,51 @@
         </p:blipFill>
         <p:spPr>
           <a:xfrm>
-            <a:off x="207356" y="1960930"/>
-            <a:ext cx="8694456" cy="2610772"/>
+            <a:off x="169469" y="1037829"/>
+            <a:ext cx="4113306" cy="1204225"/>
           </a:xfrm>
         </p:spPr>
       </p:pic>
-      <p:sp>
-        <p:nvSpPr>
-          <p:cNvPr id="6" name="TextBox 5">
+      <p:pic>
+        <p:nvPicPr>
+          <p:cNvPr id="7" name="Picture 6">
             <a:extLst>
               <a:ext uri="{FF2B5EF4-FFF2-40B4-BE49-F238E27FC236}">
-                <a16:creationId xmlns:a16="http://schemas.microsoft.com/office/drawing/2014/main" id="{85C1340F-A9BD-419B-B7CD-908310E525E5}"/>
+                <a16:creationId xmlns:a16="http://schemas.microsoft.com/office/drawing/2014/main" xmlns="" id="{7AD399A7-67F1-4A37-9D43-5C02386C2FC4}"/>
               </a:ext>
             </a:extLst>
           </p:cNvPr>
-          <p:cNvSpPr txBox="1"/>
+          <p:cNvPicPr>
+            <a:picLocks noChangeAspect="1"/>
+          </p:cNvPicPr>
           <p:nvPr/>
-        </p:nvSpPr>
-        <p:spPr>
-          <a:xfrm>
-            <a:off x="143555" y="1075150"/>
-            <a:ext cx="7635250" cy="646331"/>
+        </p:nvPicPr>
+        <p:blipFill>
+          <a:blip r:embed="rId3">
+            <a:extLst>
+              <a:ext uri="{28A0092B-C50C-407E-A947-70E740481C1C}">
+                <a14:useLocalDpi xmlns:a14="http://schemas.microsoft.com/office/drawing/2010/main" val="0"/>
+              </a:ext>
+            </a:extLst>
+          </a:blip>
+          <a:stretch>
+            <a:fillRect/>
+          </a:stretch>
+        </p:blipFill>
+        <p:spPr>
+          <a:xfrm>
+            <a:off x="143555" y="2242054"/>
+            <a:ext cx="8148030" cy="2783521"/>
           </a:xfrm>
           <a:prstGeom prst="rect">
             <a:avLst/>
           </a:prstGeom>
-          <a:noFill/>
-        </p:spPr>
-        <p:txBody>
-          <a:bodyPr wrap="square" rtlCol="0">
-            <a:spAutoFit/>
-          </a:bodyPr>
-          <a:lstStyle/>
-          <a:p>
-            <a:pPr marL="285750" indent="-285750">
-              <a:buFont typeface="Arial" panose="020B0604020202020204" pitchFamily="34" charset="0"/>
-              <a:buChar char="•"/>
-            </a:pPr>
-            <a:r>
-              <a:rPr lang="en-IN" dirty="0"/>
-              <a:t>Finding Details of Restaurant which are cheaper and good Aggregate Rating</a:t>
-            </a:r>
-          </a:p>
-        </p:txBody>
-      </p:sp>
+        </p:spPr>
+      </p:pic>
     </p:spTree>
     <p:extLst>
       <p:ext uri="{BB962C8B-B14F-4D97-AF65-F5344CB8AC3E}">
-        <p14:creationId xmlns:p14="http://schemas.microsoft.com/office/powerpoint/2010/main" val="1285661619"/>
+        <p14:creationId xmlns:p14="http://schemas.microsoft.com/office/powerpoint/2010/main" val="3094461587"/>
       </p:ext>
     </p:extLst>
   </p:cSld>
@@ -6910,7 +7067,13 @@
       </p:grpSpPr>
       <p:sp>
         <p:nvSpPr>
-          <p:cNvPr id="2" name="Title 1"/>
+          <p:cNvPr id="2" name="Title 1">
+            <a:extLst>
+              <a:ext uri="{FF2B5EF4-FFF2-40B4-BE49-F238E27FC236}">
+                <a16:creationId xmlns:a16="http://schemas.microsoft.com/office/drawing/2014/main" xmlns="" id="{4BB78DCE-4D15-4AC4-8ACB-A801FF4EC30D}"/>
+              </a:ext>
+            </a:extLst>
+          </p:cNvPr>
           <p:cNvSpPr>
             <a:spLocks noGrp="1"/>
           </p:cNvSpPr>
@@ -6924,16 +7087,87 @@
           <a:lstStyle/>
           <a:p>
             <a:r>
-              <a:rPr lang="en-US" dirty="0"/>
-              <a:t>Results</a:t>
-            </a:r>
-          </a:p>
-        </p:txBody>
-      </p:sp>
+              <a:rPr lang="en-IN" u="sng" dirty="0"/>
+              <a:t>Details of Highly Voted Restaurant</a:t>
+            </a:r>
+          </a:p>
+        </p:txBody>
+      </p:sp>
+      <p:pic>
+        <p:nvPicPr>
+          <p:cNvPr id="5" name="Content Placeholder 4">
+            <a:extLst>
+              <a:ext uri="{FF2B5EF4-FFF2-40B4-BE49-F238E27FC236}">
+                <a16:creationId xmlns:a16="http://schemas.microsoft.com/office/drawing/2014/main" xmlns="" id="{61F06BB6-3427-47F0-8263-BEA9B82C2467}"/>
+              </a:ext>
+            </a:extLst>
+          </p:cNvPr>
+          <p:cNvPicPr>
+            <a:picLocks noGrp="1" noChangeAspect="1"/>
+          </p:cNvPicPr>
+          <p:nvPr>
+            <p:ph idx="1"/>
+          </p:nvPr>
+        </p:nvPicPr>
+        <p:blipFill>
+          <a:blip r:embed="rId2">
+            <a:extLst>
+              <a:ext uri="{28A0092B-C50C-407E-A947-70E740481C1C}">
+                <a14:useLocalDpi xmlns:a14="http://schemas.microsoft.com/office/drawing/2010/main" val="0"/>
+              </a:ext>
+            </a:extLst>
+          </a:blip>
+          <a:stretch>
+            <a:fillRect/>
+          </a:stretch>
+        </p:blipFill>
+        <p:spPr>
+          <a:xfrm>
+            <a:off x="70884" y="739290"/>
+            <a:ext cx="4888743" cy="1308458"/>
+          </a:xfrm>
+        </p:spPr>
+      </p:pic>
+      <p:pic>
+        <p:nvPicPr>
+          <p:cNvPr id="7" name="Picture 6">
+            <a:extLst>
+              <a:ext uri="{FF2B5EF4-FFF2-40B4-BE49-F238E27FC236}">
+                <a16:creationId xmlns:a16="http://schemas.microsoft.com/office/drawing/2014/main" xmlns="" id="{013D2C99-CFF2-4437-B0A4-5FAF2A1F3FF3}"/>
+              </a:ext>
+            </a:extLst>
+          </p:cNvPr>
+          <p:cNvPicPr>
+            <a:picLocks noChangeAspect="1"/>
+          </p:cNvPicPr>
+          <p:nvPr/>
+        </p:nvPicPr>
+        <p:blipFill>
+          <a:blip r:embed="rId3">
+            <a:extLst>
+              <a:ext uri="{28A0092B-C50C-407E-A947-70E740481C1C}">
+                <a14:useLocalDpi xmlns:a14="http://schemas.microsoft.com/office/drawing/2010/main" val="0"/>
+              </a:ext>
+            </a:extLst>
+          </a:blip>
+          <a:stretch>
+            <a:fillRect/>
+          </a:stretch>
+        </p:blipFill>
+        <p:spPr>
+          <a:xfrm>
+            <a:off x="143555" y="2047748"/>
+            <a:ext cx="8775862" cy="2682491"/>
+          </a:xfrm>
+          <a:prstGeom prst="rect">
+            <a:avLst/>
+          </a:prstGeom>
+        </p:spPr>
+      </p:pic>
     </p:spTree>
     <p:extLst>
       <p:ext uri="{BB962C8B-B14F-4D97-AF65-F5344CB8AC3E}">
-        <p14:creationId xmlns:p14="http://schemas.microsoft.com/office/powerpoint/2010/main" val="650580293"/>
+        <p14:creationId xmlns:p14="http://schemas.microsoft.com/office/powerpoint/2010/main" val="2684754229"/>
       </p:ext>
     </p:extLst>
   </p:cSld>
@@ -6962,43 +7196,55 @@
       </p:grpSpPr>
       <p:sp>
         <p:nvSpPr>
-          <p:cNvPr id="2" name="TextBox 1"/>
-          <p:cNvSpPr txBox="1"/>
-          <p:nvPr/>
-        </p:nvSpPr>
-        <p:spPr>
-          <a:xfrm>
-            <a:off x="3350360" y="4556915"/>
-            <a:ext cx="1985165" cy="369332"/>
-          </a:xfrm>
-          <a:prstGeom prst="rect">
-            <a:avLst/>
-          </a:prstGeom>
-          <a:noFill/>
-        </p:spPr>
-        <p:txBody>
-          <a:bodyPr wrap="square" rtlCol="0">
-            <a:spAutoFit/>
-          </a:bodyPr>
+          <p:cNvPr id="2" name="Title 1">
+            <a:extLst>
+              <a:ext uri="{FF2B5EF4-FFF2-40B4-BE49-F238E27FC236}">
+                <a16:creationId xmlns:a16="http://schemas.microsoft.com/office/drawing/2014/main" xmlns="" id="{76CC49EE-F7CE-4A4A-86F8-217CE613B440}"/>
+              </a:ext>
+            </a:extLst>
+          </p:cNvPr>
+          <p:cNvSpPr>
+            <a:spLocks noGrp="1"/>
+          </p:cNvSpPr>
+          <p:nvPr>
+            <p:ph type="title"/>
+          </p:nvPr>
+        </p:nvSpPr>
+        <p:spPr>
+          <a:xfrm>
+            <a:off x="305198" y="433880"/>
+            <a:ext cx="8532019" cy="641270"/>
+          </a:xfrm>
+        </p:spPr>
+        <p:txBody>
+          <a:bodyPr/>
           <a:lstStyle/>
           <a:p>
             <a:r>
-              <a:rPr lang="en-US" dirty="0"/>
-              <a:t>Thank You</a:t>
+              <a:rPr lang="en-IN" u="sng" dirty="0"/>
+              <a:t>Conditional Queries</a:t>
             </a:r>
           </a:p>
         </p:txBody>
       </p:sp>
       <p:pic>
         <p:nvPicPr>
-          <p:cNvPr id="4" name="Picture 3"/>
+          <p:cNvPr id="5" name="Content Placeholder 4">
+            <a:extLst>
+              <a:ext uri="{FF2B5EF4-FFF2-40B4-BE49-F238E27FC236}">
+                <a16:creationId xmlns:a16="http://schemas.microsoft.com/office/drawing/2014/main" xmlns="" id="{9C2C880C-6B60-469F-B512-525697D4259D}"/>
+              </a:ext>
+            </a:extLst>
+          </p:cNvPr>
           <p:cNvPicPr>
-            <a:picLocks noChangeAspect="1"/>
+            <a:picLocks noGrp="1" noChangeAspect="1"/>
           </p:cNvPicPr>
-          <p:nvPr/>
+          <p:nvPr>
+            <p:ph idx="1"/>
+          </p:nvPr>
         </p:nvPicPr>
         <p:blipFill>
-          <a:blip r:embed="rId3">
+          <a:blip r:embed="rId2">
             <a:extLst>
               <a:ext uri="{28A0092B-C50C-407E-A947-70E740481C1C}">
                 <a14:useLocalDpi xmlns:a14="http://schemas.microsoft.com/office/drawing/2010/main" val="0"/>
@@ -7011,24 +7257,27 @@
         </p:blipFill>
         <p:spPr>
           <a:xfrm>
-            <a:off x="0" y="0"/>
-            <a:ext cx="9144000" cy="5143500"/>
-          </a:xfrm>
-          <a:prstGeom prst="rect">
-            <a:avLst/>
-          </a:prstGeom>
+            <a:off x="207356" y="1960930"/>
+            <a:ext cx="8694456" cy="2610772"/>
+          </a:xfrm>
         </p:spPr>
       </p:pic>
       <p:sp>
         <p:nvSpPr>
-          <p:cNvPr id="5" name="TextBox 4"/>
+          <p:cNvPr id="6" name="TextBox 5">
+            <a:extLst>
+              <a:ext uri="{FF2B5EF4-FFF2-40B4-BE49-F238E27FC236}">
+                <a16:creationId xmlns:a16="http://schemas.microsoft.com/office/drawing/2014/main" xmlns="" id="{85C1340F-A9BD-419B-B7CD-908310E525E5}"/>
+              </a:ext>
+            </a:extLst>
+          </p:cNvPr>
           <p:cNvSpPr txBox="1"/>
           <p:nvPr/>
         </p:nvSpPr>
         <p:spPr>
           <a:xfrm>
-            <a:off x="5182820" y="4002917"/>
-            <a:ext cx="3069623" cy="923330"/>
+            <a:off x="143555" y="1075150"/>
+            <a:ext cx="7635250" cy="646331"/>
           </a:xfrm>
           <a:prstGeom prst="rect">
             <a:avLst/>
@@ -7036,18 +7285,18 @@
           <a:noFill/>
         </p:spPr>
         <p:txBody>
-          <a:bodyPr wrap="none" rtlCol="0">
+          <a:bodyPr wrap="square" rtlCol="0">
             <a:spAutoFit/>
           </a:bodyPr>
           <a:lstStyle/>
           <a:p>
-            <a:r>
-              <a:rPr lang="en-US" sz="5400" dirty="0">
-                <a:solidFill>
-                  <a:schemeClr val="bg1"/>
-                </a:solidFill>
-              </a:rPr>
-              <a:t>Thank You</a:t>
+            <a:pPr marL="285750" indent="-285750">
+              <a:buFont typeface="Arial" panose="020B0604020202020204" pitchFamily="34" charset="0"/>
+              <a:buChar char="•"/>
+            </a:pPr>
+            <a:r>
+              <a:rPr lang="en-IN" dirty="0"/>
+              <a:t>Finding Details of Restaurant which are cheaper and good Aggregate Rating</a:t>
             </a:r>
           </a:p>
         </p:txBody>
@@ -7055,7 +7304,59 @@
     </p:spTree>
     <p:extLst>
       <p:ext uri="{BB962C8B-B14F-4D97-AF65-F5344CB8AC3E}">
-        <p14:creationId xmlns:p14="http://schemas.microsoft.com/office/powerpoint/2010/main" val="109100692"/>
+        <p14:creationId xmlns:p14="http://schemas.microsoft.com/office/powerpoint/2010/main" val="1285661619"/>
+      </p:ext>
+    </p:extLst>
+  </p:cSld>
+  <p:clrMapOvr>
+    <a:masterClrMapping/>
+  </p:clrMapOvr>
+</p:sld>
+</file>
+
+<file path=ppt/slides/slide19.xml><?xml version="1.0" encoding="utf-8"?>
+<p:sld xmlns:a="http://schemas.openxmlformats.org/drawingml/2006/main" xmlns:r="http://schemas.openxmlformats.org/officeDocument/2006/relationships" xmlns:p="http://schemas.openxmlformats.org/presentationml/2006/main">
+  <p:cSld>
+    <p:spTree>
+      <p:nvGrpSpPr>
+        <p:cNvPr id="1" name=""/>
+        <p:cNvGrpSpPr/>
+        <p:nvPr/>
+      </p:nvGrpSpPr>
+      <p:grpSpPr>
+        <a:xfrm>
+          <a:off x="0" y="0"/>
+          <a:ext cx="0" cy="0"/>
+          <a:chOff x="0" y="0"/>
+          <a:chExt cx="0" cy="0"/>
+        </a:xfrm>
+      </p:grpSpPr>
+      <p:sp>
+        <p:nvSpPr>
+          <p:cNvPr id="2" name="Title 1"/>
+          <p:cNvSpPr>
+            <a:spLocks noGrp="1"/>
+          </p:cNvSpPr>
+          <p:nvPr>
+            <p:ph type="title"/>
+          </p:nvPr>
+        </p:nvSpPr>
+        <p:spPr/>
+        <p:txBody>
+          <a:bodyPr/>
+          <a:lstStyle/>
+          <a:p>
+            <a:r>
+              <a:rPr lang="en-US" dirty="0"/>
+              <a:t>Results</a:t>
+            </a:r>
+          </a:p>
+        </p:txBody>
+      </p:sp>
+    </p:spTree>
+    <p:extLst>
+      <p:ext uri="{BB962C8B-B14F-4D97-AF65-F5344CB8AC3E}">
+        <p14:creationId xmlns:p14="http://schemas.microsoft.com/office/powerpoint/2010/main" val="650580293"/>
       </p:ext>
     </p:extLst>
   </p:cSld>
@@ -7202,6 +7503,128 @@
     <p:extLst>
       <p:ext uri="{BB962C8B-B14F-4D97-AF65-F5344CB8AC3E}">
         <p14:creationId xmlns:p14="http://schemas.microsoft.com/office/powerpoint/2010/main" val="3162473168"/>
+      </p:ext>
+    </p:extLst>
+  </p:cSld>
+  <p:clrMapOvr>
+    <a:masterClrMapping/>
+  </p:clrMapOvr>
+</p:sld>
+</file>
+
+<file path=ppt/slides/slide20.xml><?xml version="1.0" encoding="utf-8"?>
+<p:sld xmlns:a="http://schemas.openxmlformats.org/drawingml/2006/main" xmlns:r="http://schemas.openxmlformats.org/officeDocument/2006/relationships" xmlns:p="http://schemas.openxmlformats.org/presentationml/2006/main">
+  <p:cSld>
+    <p:spTree>
+      <p:nvGrpSpPr>
+        <p:cNvPr id="1" name=""/>
+        <p:cNvGrpSpPr/>
+        <p:nvPr/>
+      </p:nvGrpSpPr>
+      <p:grpSpPr>
+        <a:xfrm>
+          <a:off x="0" y="0"/>
+          <a:ext cx="0" cy="0"/>
+          <a:chOff x="0" y="0"/>
+          <a:chExt cx="0" cy="0"/>
+        </a:xfrm>
+      </p:grpSpPr>
+      <p:sp>
+        <p:nvSpPr>
+          <p:cNvPr id="2" name="TextBox 1"/>
+          <p:cNvSpPr txBox="1"/>
+          <p:nvPr/>
+        </p:nvSpPr>
+        <p:spPr>
+          <a:xfrm>
+            <a:off x="3350360" y="4556915"/>
+            <a:ext cx="1985165" cy="369332"/>
+          </a:xfrm>
+          <a:prstGeom prst="rect">
+            <a:avLst/>
+          </a:prstGeom>
+          <a:noFill/>
+        </p:spPr>
+        <p:txBody>
+          <a:bodyPr wrap="square" rtlCol="0">
+            <a:spAutoFit/>
+          </a:bodyPr>
+          <a:lstStyle/>
+          <a:p>
+            <a:r>
+              <a:rPr lang="en-US" dirty="0"/>
+              <a:t>Thank You</a:t>
+            </a:r>
+          </a:p>
+        </p:txBody>
+      </p:sp>
+      <p:pic>
+        <p:nvPicPr>
+          <p:cNvPr id="4" name="Picture 3"/>
+          <p:cNvPicPr>
+            <a:picLocks noChangeAspect="1"/>
+          </p:cNvPicPr>
+          <p:nvPr/>
+        </p:nvPicPr>
+        <p:blipFill>
+          <a:blip r:embed="rId3">
+            <a:extLst>
+              <a:ext uri="{28A0092B-C50C-407E-A947-70E740481C1C}">
+                <a14:useLocalDpi xmlns:a14="http://schemas.microsoft.com/office/drawing/2010/main" val="0"/>
+              </a:ext>
+            </a:extLst>
+          </a:blip>
+          <a:stretch>
+            <a:fillRect/>
+          </a:stretch>
+        </p:blipFill>
+        <p:spPr>
+          <a:xfrm>
+            <a:off x="0" y="0"/>
+            <a:ext cx="9144000" cy="5143500"/>
+          </a:xfrm>
+          <a:prstGeom prst="rect">
+            <a:avLst/>
+          </a:prstGeom>
+        </p:spPr>
+      </p:pic>
+      <p:sp>
+        <p:nvSpPr>
+          <p:cNvPr id="5" name="TextBox 4"/>
+          <p:cNvSpPr txBox="1"/>
+          <p:nvPr/>
+        </p:nvSpPr>
+        <p:spPr>
+          <a:xfrm>
+            <a:off x="5182820" y="4002917"/>
+            <a:ext cx="3069623" cy="923330"/>
+          </a:xfrm>
+          <a:prstGeom prst="rect">
+            <a:avLst/>
+          </a:prstGeom>
+          <a:noFill/>
+        </p:spPr>
+        <p:txBody>
+          <a:bodyPr wrap="none" rtlCol="0">
+            <a:spAutoFit/>
+          </a:bodyPr>
+          <a:lstStyle/>
+          <a:p>
+            <a:r>
+              <a:rPr lang="en-US" sz="5400" dirty="0">
+                <a:solidFill>
+                  <a:schemeClr val="bg1"/>
+                </a:solidFill>
+              </a:rPr>
+              <a:t>Thank You</a:t>
+            </a:r>
+          </a:p>
+        </p:txBody>
+      </p:sp>
+    </p:spTree>
+    <p:extLst>
+      <p:ext uri="{BB962C8B-B14F-4D97-AF65-F5344CB8AC3E}">
+        <p14:creationId xmlns:p14="http://schemas.microsoft.com/office/powerpoint/2010/main" val="109100692"/>
       </p:ext>
     </p:extLst>
   </p:cSld>
@@ -8350,6 +8773,10 @@
             <a:r>
               <a:rPr lang="en-US" sz="3200" u="sng" dirty="0"/>
               <a:t>Fields Present in data</a:t>
+            </a:r>
+            <a:r>
+              <a:rPr lang="en-US" sz="3200" dirty="0"/>
+              <a:t/>
             </a:r>
             <a:br>
               <a:rPr lang="en-US" sz="3200" dirty="0"/>
